--- a/Documents/セッション資料.pptx
+++ b/Documents/セッション資料.pptx
@@ -5,10 +5,10 @@
     <p:sldMasterId id="2147483649" r:id="rId1"/>
   </p:sldMasterIdLst>
   <p:notesMasterIdLst>
-    <p:notesMasterId r:id="rId8"/>
+    <p:notesMasterId r:id="rId17"/>
   </p:notesMasterIdLst>
   <p:handoutMasterIdLst>
-    <p:handoutMasterId r:id="rId9"/>
+    <p:handoutMasterId r:id="rId18"/>
   </p:handoutMasterIdLst>
   <p:sldIdLst>
     <p:sldId id="256" r:id="rId2"/>
@@ -17,6 +17,15 @@
     <p:sldId id="259" r:id="rId5"/>
     <p:sldId id="261" r:id="rId6"/>
     <p:sldId id="260" r:id="rId7"/>
+    <p:sldId id="262" r:id="rId8"/>
+    <p:sldId id="263" r:id="rId9"/>
+    <p:sldId id="266" r:id="rId10"/>
+    <p:sldId id="264" r:id="rId11"/>
+    <p:sldId id="267" r:id="rId12"/>
+    <p:sldId id="270" r:id="rId13"/>
+    <p:sldId id="271" r:id="rId14"/>
+    <p:sldId id="272" r:id="rId15"/>
+    <p:sldId id="274" r:id="rId16"/>
   </p:sldIdLst>
   <p:sldSz cx="12192000" cy="6858000"/>
   <p:notesSz cx="6735763" cy="9866313"/>
@@ -3464,15 +3473,21 @@
           </a:p>
           <a:p>
             <a:r>
-              <a:rPr lang="en-US" altLang="ja-JP" dirty="0"/>
+              <a:rPr lang="en-US" altLang="ja-JP" dirty="0">
+                <a:hlinkClick r:id="rId2"/>
+              </a:rPr>
+              <a:t>https://github.com/tocchann/</a:t>
+            </a:r>
+            <a:endParaRPr lang="en-US" altLang="ja-JP" dirty="0"/>
+          </a:p>
+          <a:p>
+            <a:r>
+              <a:rPr lang="en-US" altLang="ja-JP" dirty="0">
+                <a:hlinkClick r:id="rId3"/>
+              </a:rPr>
               <a:t>http://blogs.wankuma.com/tocchann/default.aspx</a:t>
             </a:r>
-          </a:p>
-          <a:p>
-            <a:r>
-              <a:rPr lang="en-US" altLang="ja-JP" dirty="0"/>
-              <a:t>https://github.com/tocchann/</a:t>
-            </a:r>
+            <a:endParaRPr lang="en-US" altLang="ja-JP" dirty="0"/>
           </a:p>
         </p:txBody>
       </p:sp>
@@ -3480,6 +3495,1077 @@
     <p:extLst>
       <p:ext uri="{BB962C8B-B14F-4D97-AF65-F5344CB8AC3E}">
         <p14:creationId xmlns:p14="http://schemas.microsoft.com/office/powerpoint/2010/main" val="445862966"/>
+      </p:ext>
+    </p:extLst>
+  </p:cSld>
+  <p:clrMapOvr>
+    <a:masterClrMapping/>
+  </p:clrMapOvr>
+  <mc:AlternateContent xmlns:mc="http://schemas.openxmlformats.org/markup-compatibility/2006" xmlns:p159="http://schemas.microsoft.com/office/powerpoint/2015/09/main">
+    <mc:Choice Requires="p159">
+      <p:transition xmlns:p14="http://schemas.microsoft.com/office/powerpoint/2010/main" spd="slow" p14:dur="2000">
+        <p159:morph option="byWord"/>
+      </p:transition>
+    </mc:Choice>
+    <mc:Fallback xmlns="">
+      <p:transition spd="slow">
+        <p:fade/>
+      </p:transition>
+    </mc:Fallback>
+  </mc:AlternateContent>
+</p:sld>
+</file>
+
+<file path=ppt/slides/slide10.xml><?xml version="1.0" encoding="utf-8"?>
+<p:sld xmlns:a="http://schemas.openxmlformats.org/drawingml/2006/main" xmlns:r="http://schemas.openxmlformats.org/officeDocument/2006/relationships" xmlns:p="http://schemas.openxmlformats.org/presentationml/2006/main">
+  <p:cSld>
+    <p:spTree>
+      <p:nvGrpSpPr>
+        <p:cNvPr id="1" name=""/>
+        <p:cNvGrpSpPr/>
+        <p:nvPr/>
+      </p:nvGrpSpPr>
+      <p:grpSpPr>
+        <a:xfrm>
+          <a:off x="0" y="0"/>
+          <a:ext cx="0" cy="0"/>
+          <a:chOff x="0" y="0"/>
+          <a:chExt cx="0" cy="0"/>
+        </a:xfrm>
+      </p:grpSpPr>
+      <p:sp>
+        <p:nvSpPr>
+          <p:cNvPr id="3" name="タイトル 2">
+            <a:extLst>
+              <a:ext uri="{FF2B5EF4-FFF2-40B4-BE49-F238E27FC236}">
+                <a16:creationId xmlns:a16="http://schemas.microsoft.com/office/drawing/2014/main" id="{153536B7-ECE4-4927-AF88-0B214D5E7E45}"/>
+              </a:ext>
+            </a:extLst>
+          </p:cNvPr>
+          <p:cNvSpPr>
+            <a:spLocks noGrp="1"/>
+          </p:cNvSpPr>
+          <p:nvPr>
+            <p:ph type="title"/>
+          </p:nvPr>
+        </p:nvSpPr>
+        <p:spPr/>
+        <p:txBody>
+          <a:bodyPr/>
+          <a:lstStyle/>
+          <a:p>
+            <a:r>
+              <a:rPr lang="en-US" altLang="ja-JP" dirty="0" err="1"/>
+              <a:t>IFileOpenDialog</a:t>
+            </a:r>
+            <a:r>
+              <a:rPr kumimoji="1" lang="en-US" altLang="ja-JP" dirty="0"/>
+              <a:t> </a:t>
+            </a:r>
+            <a:r>
+              <a:rPr kumimoji="1" lang="ja-JP" altLang="en-US" dirty="0"/>
+              <a:t>の定義</a:t>
+            </a:r>
+          </a:p>
+        </p:txBody>
+      </p:sp>
+      <p:pic>
+        <p:nvPicPr>
+          <p:cNvPr id="9" name="コンテンツ プレースホルダー 8">
+            <a:extLst>
+              <a:ext uri="{FF2B5EF4-FFF2-40B4-BE49-F238E27FC236}">
+                <a16:creationId xmlns:a16="http://schemas.microsoft.com/office/drawing/2014/main" id="{7FC85870-55F1-4C57-9B25-3A9239AFDB99}"/>
+              </a:ext>
+            </a:extLst>
+          </p:cNvPr>
+          <p:cNvPicPr>
+            <a:picLocks noGrp="1" noChangeAspect="1"/>
+          </p:cNvPicPr>
+          <p:nvPr>
+            <p:ph idx="1"/>
+          </p:nvPr>
+        </p:nvPicPr>
+        <p:blipFill>
+          <a:blip r:embed="rId2"/>
+          <a:stretch>
+            <a:fillRect/>
+          </a:stretch>
+        </p:blipFill>
+        <p:spPr>
+          <a:xfrm>
+            <a:off x="605924" y="1151284"/>
+            <a:ext cx="10976978" cy="4437956"/>
+          </a:xfrm>
+          <a:prstGeom prst="rect">
+            <a:avLst/>
+          </a:prstGeom>
+        </p:spPr>
+      </p:pic>
+    </p:spTree>
+    <p:extLst>
+      <p:ext uri="{BB962C8B-B14F-4D97-AF65-F5344CB8AC3E}">
+        <p14:creationId xmlns:p14="http://schemas.microsoft.com/office/powerpoint/2010/main" val="143316828"/>
+      </p:ext>
+    </p:extLst>
+  </p:cSld>
+  <p:clrMapOvr>
+    <a:masterClrMapping/>
+  </p:clrMapOvr>
+  <mc:AlternateContent xmlns:mc="http://schemas.openxmlformats.org/markup-compatibility/2006" xmlns:p159="http://schemas.microsoft.com/office/powerpoint/2015/09/main">
+    <mc:Choice Requires="p159">
+      <p:transition xmlns:p14="http://schemas.microsoft.com/office/powerpoint/2010/main" spd="slow" p14:dur="2000">
+        <p159:morph option="byWord"/>
+      </p:transition>
+    </mc:Choice>
+    <mc:Fallback xmlns="">
+      <p:transition spd="slow">
+        <p:fade/>
+      </p:transition>
+    </mc:Fallback>
+  </mc:AlternateContent>
+</p:sld>
+</file>
+
+<file path=ppt/slides/slide11.xml><?xml version="1.0" encoding="utf-8"?>
+<p:sld xmlns:a="http://schemas.openxmlformats.org/drawingml/2006/main" xmlns:r="http://schemas.openxmlformats.org/officeDocument/2006/relationships" xmlns:p="http://schemas.openxmlformats.org/presentationml/2006/main">
+  <p:cSld>
+    <p:spTree>
+      <p:nvGrpSpPr>
+        <p:cNvPr id="1" name=""/>
+        <p:cNvGrpSpPr/>
+        <p:nvPr/>
+      </p:nvGrpSpPr>
+      <p:grpSpPr>
+        <a:xfrm>
+          <a:off x="0" y="0"/>
+          <a:ext cx="0" cy="0"/>
+          <a:chOff x="0" y="0"/>
+          <a:chExt cx="0" cy="0"/>
+        </a:xfrm>
+      </p:grpSpPr>
+      <p:sp>
+        <p:nvSpPr>
+          <p:cNvPr id="2" name="コンテンツ プレースホルダー 1">
+            <a:extLst>
+              <a:ext uri="{FF2B5EF4-FFF2-40B4-BE49-F238E27FC236}">
+                <a16:creationId xmlns:a16="http://schemas.microsoft.com/office/drawing/2014/main" id="{5FAFFE9B-0FA3-4D80-BCB0-6C6BB4B3EC1A}"/>
+              </a:ext>
+            </a:extLst>
+          </p:cNvPr>
+          <p:cNvSpPr>
+            <a:spLocks noGrp="1"/>
+          </p:cNvSpPr>
+          <p:nvPr>
+            <p:ph idx="1"/>
+          </p:nvPr>
+        </p:nvSpPr>
+        <p:spPr/>
+        <p:txBody>
+          <a:bodyPr/>
+          <a:lstStyle/>
+          <a:p>
+            <a:r>
+              <a:rPr kumimoji="1" lang="ja-JP" altLang="en-US" dirty="0"/>
+              <a:t>インターフェース全部書くの？</a:t>
+            </a:r>
+            <a:endParaRPr kumimoji="1" lang="en-US" altLang="ja-JP" dirty="0"/>
+          </a:p>
+          <a:p>
+            <a:pPr lvl="1"/>
+            <a:r>
+              <a:rPr kumimoji="1" lang="en-US" altLang="ja-JP" dirty="0"/>
+              <a:t>C</a:t>
+            </a:r>
+            <a:r>
+              <a:rPr kumimoji="1" lang="ja-JP" altLang="en-US" dirty="0"/>
+              <a:t>版 </a:t>
+            </a:r>
+            <a:r>
+              <a:rPr kumimoji="1" lang="en-US" altLang="ja-JP" dirty="0" err="1"/>
+              <a:t>IFileOpenDialog</a:t>
+            </a:r>
+            <a:r>
+              <a:rPr kumimoji="1" lang="en-US" altLang="ja-JP" dirty="0"/>
+              <a:t> </a:t>
+            </a:r>
+            <a:r>
+              <a:rPr kumimoji="1" lang="ja-JP" altLang="en-US" dirty="0"/>
+              <a:t>→</a:t>
+            </a:r>
+            <a:endParaRPr kumimoji="1" lang="en-US" altLang="ja-JP" dirty="0"/>
+          </a:p>
+          <a:p>
+            <a:pPr lvl="1"/>
+            <a:r>
+              <a:rPr kumimoji="1" lang="en-US" altLang="ja-JP" dirty="0" err="1"/>
+              <a:t>IUnknown</a:t>
+            </a:r>
+            <a:r>
+              <a:rPr kumimoji="1" lang="en-US" altLang="ja-JP" dirty="0"/>
+              <a:t> </a:t>
+            </a:r>
+            <a:r>
+              <a:rPr kumimoji="1" lang="ja-JP" altLang="en-US" dirty="0"/>
+              <a:t>の分を除くと</a:t>
+            </a:r>
+            <a:r>
+              <a:rPr kumimoji="1" lang="en-US" altLang="ja-JP" dirty="0"/>
+              <a:t>26</a:t>
+            </a:r>
+            <a:r>
+              <a:rPr kumimoji="1" lang="ja-JP" altLang="en-US" dirty="0"/>
+              <a:t>個のメソッド</a:t>
+            </a:r>
+            <a:endParaRPr kumimoji="1" lang="en-US" altLang="ja-JP" dirty="0"/>
+          </a:p>
+          <a:p>
+            <a:pPr lvl="1"/>
+            <a:r>
+              <a:rPr kumimoji="1" lang="ja-JP" altLang="en-US" dirty="0"/>
+              <a:t>引数は。。。数える？無理でしょ</a:t>
+            </a:r>
+            <a:r>
+              <a:rPr lang="ja-JP" altLang="en-US" dirty="0"/>
+              <a:t>！なレベル</a:t>
+            </a:r>
+            <a:endParaRPr lang="en-US" altLang="ja-JP" dirty="0"/>
+          </a:p>
+          <a:p>
+            <a:pPr lvl="1"/>
+            <a:r>
+              <a:rPr lang="ja-JP" altLang="en-US" dirty="0"/>
+              <a:t>引数にある構造体や </a:t>
+            </a:r>
+            <a:r>
+              <a:rPr lang="en-US" altLang="ja-JP" dirty="0"/>
+              <a:t>interface </a:t>
+            </a:r>
+            <a:r>
+              <a:rPr lang="ja-JP" altLang="en-US" dirty="0"/>
+              <a:t>も？</a:t>
+            </a:r>
+            <a:endParaRPr lang="en-US" altLang="ja-JP" dirty="0"/>
+          </a:p>
+          <a:p>
+            <a:endParaRPr kumimoji="1" lang="en-US" altLang="ja-JP" dirty="0"/>
+          </a:p>
+          <a:p>
+            <a:endParaRPr lang="en-US" altLang="ja-JP" dirty="0"/>
+          </a:p>
+          <a:p>
+            <a:endParaRPr kumimoji="1" lang="en-US" altLang="ja-JP" dirty="0"/>
+          </a:p>
+          <a:p>
+            <a:pPr marL="457200" lvl="1" indent="0">
+              <a:buNone/>
+            </a:pPr>
+            <a:endParaRPr kumimoji="1" lang="ja-JP" altLang="en-US" dirty="0"/>
+          </a:p>
+        </p:txBody>
+      </p:sp>
+      <p:sp>
+        <p:nvSpPr>
+          <p:cNvPr id="3" name="タイトル 2">
+            <a:extLst>
+              <a:ext uri="{FF2B5EF4-FFF2-40B4-BE49-F238E27FC236}">
+                <a16:creationId xmlns:a16="http://schemas.microsoft.com/office/drawing/2014/main" id="{0AF124B1-1B9A-4C94-A782-FCBF294CD8A5}"/>
+              </a:ext>
+            </a:extLst>
+          </p:cNvPr>
+          <p:cNvSpPr>
+            <a:spLocks noGrp="1"/>
+          </p:cNvSpPr>
+          <p:nvPr>
+            <p:ph type="title"/>
+          </p:nvPr>
+        </p:nvSpPr>
+        <p:spPr/>
+        <p:txBody>
+          <a:bodyPr/>
+          <a:lstStyle/>
+          <a:p>
+            <a:r>
+              <a:rPr lang="ja-JP" altLang="en-US" dirty="0"/>
+              <a:t>必要最低限のインターフェース定義って？</a:t>
+            </a:r>
+            <a:endParaRPr kumimoji="1" lang="ja-JP" altLang="en-US" dirty="0"/>
+          </a:p>
+        </p:txBody>
+      </p:sp>
+      <p:pic>
+        <p:nvPicPr>
+          <p:cNvPr id="5" name="図 4">
+            <a:extLst>
+              <a:ext uri="{FF2B5EF4-FFF2-40B4-BE49-F238E27FC236}">
+                <a16:creationId xmlns:a16="http://schemas.microsoft.com/office/drawing/2014/main" id="{3C926408-5BAE-4EE7-91DA-7CC41DAEB144}"/>
+              </a:ext>
+            </a:extLst>
+          </p:cNvPr>
+          <p:cNvPicPr>
+            <a:picLocks noChangeAspect="1"/>
+          </p:cNvPicPr>
+          <p:nvPr/>
+        </p:nvPicPr>
+        <p:blipFill>
+          <a:blip r:embed="rId2"/>
+          <a:stretch>
+            <a:fillRect/>
+          </a:stretch>
+        </p:blipFill>
+        <p:spPr>
+          <a:xfrm>
+            <a:off x="8932887" y="0"/>
+            <a:ext cx="3245522" cy="6858000"/>
+          </a:xfrm>
+          <a:prstGeom prst="rect">
+            <a:avLst/>
+          </a:prstGeom>
+        </p:spPr>
+      </p:pic>
+    </p:spTree>
+    <p:extLst>
+      <p:ext uri="{BB962C8B-B14F-4D97-AF65-F5344CB8AC3E}">
+        <p14:creationId xmlns:p14="http://schemas.microsoft.com/office/powerpoint/2010/main" val="3036002753"/>
+      </p:ext>
+    </p:extLst>
+  </p:cSld>
+  <p:clrMapOvr>
+    <a:masterClrMapping/>
+  </p:clrMapOvr>
+  <mc:AlternateContent xmlns:mc="http://schemas.openxmlformats.org/markup-compatibility/2006" xmlns:p159="http://schemas.microsoft.com/office/powerpoint/2015/09/main">
+    <mc:Choice Requires="p159">
+      <p:transition xmlns:p14="http://schemas.microsoft.com/office/powerpoint/2010/main" spd="slow" p14:dur="2000">
+        <p159:morph option="byWord"/>
+      </p:transition>
+    </mc:Choice>
+    <mc:Fallback xmlns="">
+      <p:transition spd="slow">
+        <p:fade/>
+      </p:transition>
+    </mc:Fallback>
+  </mc:AlternateContent>
+</p:sld>
+</file>
+
+<file path=ppt/slides/slide12.xml><?xml version="1.0" encoding="utf-8"?>
+<p:sld xmlns:a="http://schemas.openxmlformats.org/drawingml/2006/main" xmlns:r="http://schemas.openxmlformats.org/officeDocument/2006/relationships" xmlns:p="http://schemas.openxmlformats.org/presentationml/2006/main">
+  <p:cSld>
+    <p:spTree>
+      <p:nvGrpSpPr>
+        <p:cNvPr id="1" name=""/>
+        <p:cNvGrpSpPr/>
+        <p:nvPr/>
+      </p:nvGrpSpPr>
+      <p:grpSpPr>
+        <a:xfrm>
+          <a:off x="0" y="0"/>
+          <a:ext cx="0" cy="0"/>
+          <a:chOff x="0" y="0"/>
+          <a:chExt cx="0" cy="0"/>
+        </a:xfrm>
+      </p:grpSpPr>
+      <p:sp>
+        <p:nvSpPr>
+          <p:cNvPr id="2" name="コンテンツ プレースホルダー 1">
+            <a:extLst>
+              <a:ext uri="{FF2B5EF4-FFF2-40B4-BE49-F238E27FC236}">
+                <a16:creationId xmlns:a16="http://schemas.microsoft.com/office/drawing/2014/main" id="{3D1D6F55-8C31-4624-A5F7-F9AD7945F455}"/>
+              </a:ext>
+            </a:extLst>
+          </p:cNvPr>
+          <p:cNvSpPr>
+            <a:spLocks noGrp="1"/>
+          </p:cNvSpPr>
+          <p:nvPr>
+            <p:ph idx="1"/>
+          </p:nvPr>
+        </p:nvSpPr>
+        <p:spPr/>
+        <p:txBody>
+          <a:bodyPr/>
+          <a:lstStyle/>
+          <a:p>
+            <a:r>
+              <a:rPr lang="en-US" altLang="ja-JP" dirty="0"/>
+              <a:t>Component </a:t>
+            </a:r>
+            <a:r>
+              <a:rPr kumimoji="1" lang="en-US" altLang="ja-JP" dirty="0"/>
+              <a:t>Object Model </a:t>
+            </a:r>
+            <a:r>
+              <a:rPr kumimoji="1" lang="ja-JP" altLang="en-US" dirty="0"/>
+              <a:t>の略</a:t>
+            </a:r>
+            <a:endParaRPr kumimoji="1" lang="en-US" altLang="ja-JP" dirty="0"/>
+          </a:p>
+          <a:p>
+            <a:r>
+              <a:rPr kumimoji="1" lang="en-US" altLang="ja-JP" dirty="0"/>
+              <a:t>ABI(Application Binary Interface)</a:t>
+            </a:r>
+            <a:r>
+              <a:rPr kumimoji="1" lang="ja-JP" altLang="en-US" dirty="0"/>
+              <a:t>の一種</a:t>
+            </a:r>
+            <a:endParaRPr kumimoji="1" lang="en-US" altLang="ja-JP" dirty="0"/>
+          </a:p>
+          <a:p>
+            <a:r>
+              <a:rPr lang="en-US" altLang="ja-JP" dirty="0"/>
+              <a:t>Windows API </a:t>
+            </a:r>
+            <a:r>
+              <a:rPr lang="ja-JP" altLang="en-US" dirty="0"/>
+              <a:t>の一種</a:t>
+            </a:r>
+            <a:endParaRPr lang="en-US" altLang="ja-JP" dirty="0"/>
+          </a:p>
+          <a:p>
+            <a:pPr lvl="1"/>
+            <a:r>
+              <a:rPr kumimoji="1" lang="ja-JP" altLang="en-US" dirty="0"/>
+              <a:t>インターフェース</a:t>
+            </a:r>
+            <a:r>
+              <a:rPr kumimoji="1" lang="en-US" altLang="ja-JP" dirty="0"/>
+              <a:t>(</a:t>
+            </a:r>
+            <a:r>
+              <a:rPr kumimoji="1" lang="ja-JP" altLang="en-US" dirty="0"/>
+              <a:t>関数テーブル</a:t>
+            </a:r>
+            <a:r>
+              <a:rPr kumimoji="1" lang="en-US" altLang="ja-JP" dirty="0"/>
+              <a:t>)</a:t>
+            </a:r>
+            <a:r>
+              <a:rPr kumimoji="1" lang="ja-JP" altLang="en-US" dirty="0"/>
+              <a:t>を介したやり取り形式</a:t>
+            </a:r>
+            <a:endParaRPr kumimoji="1" lang="en-US" altLang="ja-JP" dirty="0"/>
+          </a:p>
+          <a:p>
+            <a:r>
+              <a:rPr kumimoji="1" lang="ja-JP" altLang="en-US" dirty="0"/>
+              <a:t>関数テーブル構造って？</a:t>
+            </a:r>
+            <a:endParaRPr kumimoji="1" lang="en-US" altLang="ja-JP" dirty="0"/>
+          </a:p>
+          <a:p>
+            <a:pPr lvl="1"/>
+            <a:r>
+              <a:rPr kumimoji="1" lang="ja-JP" altLang="en-US" dirty="0"/>
+              <a:t>関数ポインタだけで構成された</a:t>
+            </a:r>
+            <a:r>
+              <a:rPr kumimoji="1" lang="en-US" altLang="ja-JP" dirty="0"/>
+              <a:t>C</a:t>
+            </a:r>
+            <a:r>
+              <a:rPr kumimoji="1" lang="ja-JP" altLang="en-US" dirty="0"/>
+              <a:t>の構造体</a:t>
+            </a:r>
+            <a:endParaRPr kumimoji="1" lang="en-US" altLang="ja-JP" dirty="0"/>
+          </a:p>
+          <a:p>
+            <a:pPr lvl="1"/>
+            <a:r>
+              <a:rPr kumimoji="1" lang="en-US" altLang="ja-JP" dirty="0"/>
+              <a:t>C++ </a:t>
+            </a:r>
+            <a:r>
+              <a:rPr lang="ja-JP" altLang="en-US" dirty="0"/>
+              <a:t>仮想関数テーブルと互換</a:t>
+            </a:r>
+            <a:endParaRPr lang="en-US" altLang="ja-JP" dirty="0"/>
+          </a:p>
+          <a:p>
+            <a:pPr lvl="1"/>
+            <a:r>
+              <a:rPr kumimoji="1" lang="ja-JP" altLang="en-US" dirty="0"/>
+              <a:t>関数の位置情報</a:t>
+            </a:r>
+            <a:r>
+              <a:rPr lang="en-US" altLang="ja-JP" dirty="0"/>
+              <a:t>(==</a:t>
+            </a:r>
+            <a:r>
+              <a:rPr lang="ja-JP" altLang="en-US" dirty="0"/>
+              <a:t>ポインタ</a:t>
+            </a:r>
+            <a:r>
+              <a:rPr lang="en-US" altLang="ja-JP" dirty="0"/>
+              <a:t>)</a:t>
+            </a:r>
+            <a:r>
+              <a:rPr kumimoji="1" lang="ja-JP" altLang="en-US" dirty="0"/>
+              <a:t>だけ</a:t>
+            </a:r>
+            <a:endParaRPr lang="en-US" altLang="ja-JP" dirty="0"/>
+          </a:p>
+        </p:txBody>
+      </p:sp>
+      <p:sp>
+        <p:nvSpPr>
+          <p:cNvPr id="3" name="タイトル 2">
+            <a:extLst>
+              <a:ext uri="{FF2B5EF4-FFF2-40B4-BE49-F238E27FC236}">
+                <a16:creationId xmlns:a16="http://schemas.microsoft.com/office/drawing/2014/main" id="{FBB7A272-50A4-4224-9BED-9A7B08E56181}"/>
+              </a:ext>
+            </a:extLst>
+          </p:cNvPr>
+          <p:cNvSpPr>
+            <a:spLocks noGrp="1"/>
+          </p:cNvSpPr>
+          <p:nvPr>
+            <p:ph type="title"/>
+          </p:nvPr>
+        </p:nvSpPr>
+        <p:spPr/>
+        <p:txBody>
+          <a:bodyPr/>
+          <a:lstStyle/>
+          <a:p>
+            <a:r>
+              <a:rPr lang="ja-JP" altLang="en-US" dirty="0"/>
+              <a:t>今時の</a:t>
+            </a:r>
+            <a:r>
+              <a:rPr lang="en-US" altLang="ja-JP" dirty="0"/>
+              <a:t>COM</a:t>
+            </a:r>
+            <a:r>
+              <a:rPr lang="ja-JP" altLang="en-US" dirty="0"/>
+              <a:t>ならこんな解釈で十分</a:t>
+            </a:r>
+            <a:endParaRPr kumimoji="1" lang="ja-JP" altLang="en-US" dirty="0"/>
+          </a:p>
+        </p:txBody>
+      </p:sp>
+    </p:spTree>
+    <p:extLst>
+      <p:ext uri="{BB962C8B-B14F-4D97-AF65-F5344CB8AC3E}">
+        <p14:creationId xmlns:p14="http://schemas.microsoft.com/office/powerpoint/2010/main" val="997744119"/>
+      </p:ext>
+    </p:extLst>
+  </p:cSld>
+  <p:clrMapOvr>
+    <a:masterClrMapping/>
+  </p:clrMapOvr>
+  <mc:AlternateContent xmlns:mc="http://schemas.openxmlformats.org/markup-compatibility/2006" xmlns:p159="http://schemas.microsoft.com/office/powerpoint/2015/09/main">
+    <mc:Choice Requires="p159">
+      <p:transition xmlns:p14="http://schemas.microsoft.com/office/powerpoint/2010/main" spd="slow" p14:dur="2000">
+        <p159:morph option="byWord"/>
+      </p:transition>
+    </mc:Choice>
+    <mc:Fallback xmlns="">
+      <p:transition spd="slow">
+        <p:fade/>
+      </p:transition>
+    </mc:Fallback>
+  </mc:AlternateContent>
+</p:sld>
+</file>
+
+<file path=ppt/slides/slide13.xml><?xml version="1.0" encoding="utf-8"?>
+<p:sld xmlns:a="http://schemas.openxmlformats.org/drawingml/2006/main" xmlns:r="http://schemas.openxmlformats.org/officeDocument/2006/relationships" xmlns:p="http://schemas.openxmlformats.org/presentationml/2006/main">
+  <p:cSld>
+    <p:spTree>
+      <p:nvGrpSpPr>
+        <p:cNvPr id="1" name=""/>
+        <p:cNvGrpSpPr/>
+        <p:nvPr/>
+      </p:nvGrpSpPr>
+      <p:grpSpPr>
+        <a:xfrm>
+          <a:off x="0" y="0"/>
+          <a:ext cx="0" cy="0"/>
+          <a:chOff x="0" y="0"/>
+          <a:chExt cx="0" cy="0"/>
+        </a:xfrm>
+      </p:grpSpPr>
+      <p:sp>
+        <p:nvSpPr>
+          <p:cNvPr id="2" name="コンテンツ プレースホルダー 1">
+            <a:extLst>
+              <a:ext uri="{FF2B5EF4-FFF2-40B4-BE49-F238E27FC236}">
+                <a16:creationId xmlns:a16="http://schemas.microsoft.com/office/drawing/2014/main" id="{3D1D6F55-8C31-4624-A5F7-F9AD7945F455}"/>
+              </a:ext>
+            </a:extLst>
+          </p:cNvPr>
+          <p:cNvSpPr>
+            <a:spLocks noGrp="1"/>
+          </p:cNvSpPr>
+          <p:nvPr>
+            <p:ph idx="1"/>
+          </p:nvPr>
+        </p:nvSpPr>
+        <p:spPr/>
+        <p:txBody>
+          <a:bodyPr/>
+          <a:lstStyle/>
+          <a:p>
+            <a:r>
+              <a:rPr kumimoji="1" lang="en-US" altLang="ja-JP" dirty="0"/>
+              <a:t>ABI(</a:t>
+            </a:r>
+            <a:r>
+              <a:rPr kumimoji="1" lang="en-US" altLang="ja-JP" dirty="0">
+                <a:latin typeface="UD デジタル 教科書体 NK-R" panose="02020400000000000000" pitchFamily="18" charset="-128"/>
+                <a:ea typeface="UD デジタル 教科書体 NK-R" panose="02020400000000000000" pitchFamily="18" charset="-128"/>
+              </a:rPr>
+              <a:t>Application</a:t>
+            </a:r>
+            <a:r>
+              <a:rPr kumimoji="1" lang="en-US" altLang="ja-JP" dirty="0"/>
+              <a:t> </a:t>
+            </a:r>
+            <a:r>
+              <a:rPr kumimoji="1" lang="en-US" altLang="ja-JP" b="1" dirty="0">
+                <a:effectLst>
+                  <a:outerShdw blurRad="38100" dist="38100" dir="2700000" algn="tl">
+                    <a:srgbClr val="000000">
+                      <a:alpha val="43137"/>
+                    </a:srgbClr>
+                  </a:outerShdw>
+                </a:effectLst>
+              </a:rPr>
+              <a:t>Binary</a:t>
+            </a:r>
+            <a:r>
+              <a:rPr kumimoji="1" lang="en-US" altLang="ja-JP" dirty="0"/>
+              <a:t> Interface)</a:t>
+            </a:r>
+          </a:p>
+          <a:p>
+            <a:r>
+              <a:rPr kumimoji="1" lang="ja-JP" altLang="en-US" dirty="0"/>
+              <a:t>インターフェースを介したやり取り形式</a:t>
+            </a:r>
+            <a:endParaRPr kumimoji="1" lang="en-US" altLang="ja-JP" dirty="0"/>
+          </a:p>
+          <a:p>
+            <a:r>
+              <a:rPr kumimoji="1" lang="en-US" altLang="ja-JP" dirty="0"/>
+              <a:t>COM </a:t>
+            </a:r>
+            <a:r>
+              <a:rPr kumimoji="1" lang="ja-JP" altLang="en-US" dirty="0"/>
+              <a:t>のインターフェースは関数テーブル構造</a:t>
+            </a:r>
+            <a:endParaRPr kumimoji="1" lang="en-US" altLang="ja-JP" dirty="0"/>
+          </a:p>
+          <a:p>
+            <a:pPr lvl="1"/>
+            <a:r>
+              <a:rPr kumimoji="1" lang="ja-JP" altLang="en-US" dirty="0"/>
+              <a:t>関数ポインタ</a:t>
+            </a:r>
+            <a:r>
+              <a:rPr kumimoji="1" lang="en-US" altLang="ja-JP" dirty="0"/>
+              <a:t>(</a:t>
+            </a:r>
+            <a:r>
+              <a:rPr kumimoji="1" lang="ja-JP" altLang="en-US" dirty="0"/>
+              <a:t>関数位置情報</a:t>
+            </a:r>
+            <a:r>
+              <a:rPr kumimoji="1" lang="en-US" altLang="ja-JP" dirty="0"/>
+              <a:t>)</a:t>
+            </a:r>
+            <a:r>
+              <a:rPr kumimoji="1" lang="ja-JP" altLang="en-US" dirty="0"/>
+              <a:t>だけで構成された構造体</a:t>
+            </a:r>
+            <a:endParaRPr kumimoji="1" lang="en-US" altLang="ja-JP" dirty="0"/>
+          </a:p>
+          <a:p>
+            <a:endParaRPr lang="en-US" altLang="ja-JP" dirty="0"/>
+          </a:p>
+          <a:p>
+            <a:endParaRPr lang="en-US" altLang="ja-JP" dirty="0"/>
+          </a:p>
+          <a:p>
+            <a:r>
+              <a:rPr lang="en-US" altLang="ja-JP" dirty="0"/>
+              <a:t>ABI</a:t>
+            </a:r>
+            <a:r>
+              <a:rPr lang="ja-JP" altLang="en-US" dirty="0"/>
+              <a:t> は実行時の規約</a:t>
+            </a:r>
+            <a:endParaRPr lang="en-US" altLang="ja-JP" dirty="0"/>
+          </a:p>
+          <a:p>
+            <a:pPr lvl="1"/>
+            <a:r>
+              <a:rPr lang="ja-JP" altLang="en-US" dirty="0"/>
+              <a:t>機械語</a:t>
+            </a:r>
+            <a:r>
+              <a:rPr lang="en-US" altLang="ja-JP" dirty="0"/>
+              <a:t>(</a:t>
+            </a:r>
+            <a:r>
+              <a:rPr lang="ja-JP" altLang="en-US" dirty="0"/>
+              <a:t>バイナリ</a:t>
+            </a:r>
+            <a:r>
+              <a:rPr lang="en-US" altLang="ja-JP" dirty="0"/>
+              <a:t>)</a:t>
+            </a:r>
+            <a:r>
+              <a:rPr lang="ja-JP" altLang="en-US" dirty="0"/>
+              <a:t>レベルで一致する情報</a:t>
+            </a:r>
+            <a:endParaRPr lang="en-US" altLang="ja-JP" dirty="0"/>
+          </a:p>
+          <a:p>
+            <a:pPr lvl="1"/>
+            <a:r>
+              <a:rPr lang="ja-JP" altLang="en-US" dirty="0"/>
+              <a:t>コンパイル時に必要な情報ではない</a:t>
+            </a:r>
+            <a:endParaRPr lang="en-US" altLang="ja-JP" dirty="0"/>
+          </a:p>
+        </p:txBody>
+      </p:sp>
+      <p:sp>
+        <p:nvSpPr>
+          <p:cNvPr id="3" name="タイトル 2">
+            <a:extLst>
+              <a:ext uri="{FF2B5EF4-FFF2-40B4-BE49-F238E27FC236}">
+                <a16:creationId xmlns:a16="http://schemas.microsoft.com/office/drawing/2014/main" id="{FBB7A272-50A4-4224-9BED-9A7B08E56181}"/>
+              </a:ext>
+            </a:extLst>
+          </p:cNvPr>
+          <p:cNvSpPr>
+            <a:spLocks noGrp="1"/>
+          </p:cNvSpPr>
+          <p:nvPr>
+            <p:ph type="title"/>
+          </p:nvPr>
+        </p:nvSpPr>
+        <p:spPr/>
+        <p:txBody>
+          <a:bodyPr/>
+          <a:lstStyle/>
+          <a:p>
+            <a:r>
+              <a:rPr lang="ja-JP" altLang="en-US" dirty="0"/>
+              <a:t>今時の</a:t>
+            </a:r>
+            <a:r>
+              <a:rPr lang="en-US" altLang="ja-JP" dirty="0"/>
+              <a:t>COM</a:t>
+            </a:r>
+            <a:r>
+              <a:rPr lang="ja-JP" altLang="en-US" dirty="0"/>
+              <a:t>ならこんな解釈で十分</a:t>
+            </a:r>
+            <a:endParaRPr kumimoji="1" lang="ja-JP" altLang="en-US" dirty="0"/>
+          </a:p>
+        </p:txBody>
+      </p:sp>
+    </p:spTree>
+    <p:extLst>
+      <p:ext uri="{BB962C8B-B14F-4D97-AF65-F5344CB8AC3E}">
+        <p14:creationId xmlns:p14="http://schemas.microsoft.com/office/powerpoint/2010/main" val="2790818845"/>
+      </p:ext>
+    </p:extLst>
+  </p:cSld>
+  <p:clrMapOvr>
+    <a:masterClrMapping/>
+  </p:clrMapOvr>
+  <mc:AlternateContent xmlns:mc="http://schemas.openxmlformats.org/markup-compatibility/2006" xmlns:p159="http://schemas.microsoft.com/office/powerpoint/2015/09/main">
+    <mc:Choice Requires="p159">
+      <p:transition xmlns:p14="http://schemas.microsoft.com/office/powerpoint/2010/main" spd="slow" p14:dur="2000">
+        <p159:morph option="byWord"/>
+      </p:transition>
+    </mc:Choice>
+    <mc:Fallback xmlns="">
+      <p:transition spd="slow">
+        <p:fade/>
+      </p:transition>
+    </mc:Fallback>
+  </mc:AlternateContent>
+</p:sld>
+</file>
+
+<file path=ppt/slides/slide14.xml><?xml version="1.0" encoding="utf-8"?>
+<p:sld xmlns:a="http://schemas.openxmlformats.org/drawingml/2006/main" xmlns:r="http://schemas.openxmlformats.org/officeDocument/2006/relationships" xmlns:p="http://schemas.openxmlformats.org/presentationml/2006/main">
+  <p:cSld>
+    <p:spTree>
+      <p:nvGrpSpPr>
+        <p:cNvPr id="1" name=""/>
+        <p:cNvGrpSpPr/>
+        <p:nvPr/>
+      </p:nvGrpSpPr>
+      <p:grpSpPr>
+        <a:xfrm>
+          <a:off x="0" y="0"/>
+          <a:ext cx="0" cy="0"/>
+          <a:chOff x="0" y="0"/>
+          <a:chExt cx="0" cy="0"/>
+        </a:xfrm>
+      </p:grpSpPr>
+      <p:sp>
+        <p:nvSpPr>
+          <p:cNvPr id="2" name="タイトル 1">
+            <a:extLst>
+              <a:ext uri="{FF2B5EF4-FFF2-40B4-BE49-F238E27FC236}">
+                <a16:creationId xmlns:a16="http://schemas.microsoft.com/office/drawing/2014/main" id="{1F50055B-2A73-4533-A1F4-B995F7930658}"/>
+              </a:ext>
+            </a:extLst>
+          </p:cNvPr>
+          <p:cNvSpPr>
+            <a:spLocks noGrp="1"/>
+          </p:cNvSpPr>
+          <p:nvPr>
+            <p:ph type="title"/>
+          </p:nvPr>
+        </p:nvSpPr>
+        <p:spPr/>
+        <p:txBody>
+          <a:bodyPr/>
+          <a:lstStyle/>
+          <a:p>
+            <a:r>
+              <a:rPr lang="ja-JP" altLang="en-US" dirty="0"/>
+              <a:t>実際のプロジェクトでソースを見てみましょう</a:t>
+            </a:r>
+            <a:endParaRPr kumimoji="1" lang="ja-JP" altLang="en-US" dirty="0"/>
+          </a:p>
+        </p:txBody>
+      </p:sp>
+      <p:sp>
+        <p:nvSpPr>
+          <p:cNvPr id="3" name="テキスト プレースホルダー 2">
+            <a:extLst>
+              <a:ext uri="{FF2B5EF4-FFF2-40B4-BE49-F238E27FC236}">
+                <a16:creationId xmlns:a16="http://schemas.microsoft.com/office/drawing/2014/main" id="{38E06547-370B-4282-BEA3-09F4E6DB355C}"/>
+              </a:ext>
+            </a:extLst>
+          </p:cNvPr>
+          <p:cNvSpPr>
+            <a:spLocks noGrp="1"/>
+          </p:cNvSpPr>
+          <p:nvPr>
+            <p:ph type="body" idx="1"/>
+          </p:nvPr>
+        </p:nvSpPr>
+        <p:spPr/>
+        <p:txBody>
+          <a:bodyPr/>
+          <a:lstStyle/>
+          <a:p>
+            <a:endParaRPr kumimoji="1" lang="ja-JP" altLang="en-US"/>
+          </a:p>
+        </p:txBody>
+      </p:sp>
+    </p:spTree>
+    <p:extLst>
+      <p:ext uri="{BB962C8B-B14F-4D97-AF65-F5344CB8AC3E}">
+        <p14:creationId xmlns:p14="http://schemas.microsoft.com/office/powerpoint/2010/main" val="2140291623"/>
+      </p:ext>
+    </p:extLst>
+  </p:cSld>
+  <p:clrMapOvr>
+    <a:masterClrMapping/>
+  </p:clrMapOvr>
+</p:sld>
+</file>
+
+<file path=ppt/slides/slide15.xml><?xml version="1.0" encoding="utf-8"?>
+<p:sld xmlns:a="http://schemas.openxmlformats.org/drawingml/2006/main" xmlns:r="http://schemas.openxmlformats.org/officeDocument/2006/relationships" xmlns:p="http://schemas.openxmlformats.org/presentationml/2006/main">
+  <p:cSld>
+    <p:spTree>
+      <p:nvGrpSpPr>
+        <p:cNvPr id="1" name=""/>
+        <p:cNvGrpSpPr/>
+        <p:nvPr/>
+      </p:nvGrpSpPr>
+      <p:grpSpPr>
+        <a:xfrm>
+          <a:off x="0" y="0"/>
+          <a:ext cx="0" cy="0"/>
+          <a:chOff x="0" y="0"/>
+          <a:chExt cx="0" cy="0"/>
+        </a:xfrm>
+      </p:grpSpPr>
+      <p:sp>
+        <p:nvSpPr>
+          <p:cNvPr id="5" name="コンテンツ プレースホルダー 4">
+            <a:extLst>
+              <a:ext uri="{FF2B5EF4-FFF2-40B4-BE49-F238E27FC236}">
+                <a16:creationId xmlns:a16="http://schemas.microsoft.com/office/drawing/2014/main" id="{00BB6F76-93C6-4D8A-82CA-7277401F0957}"/>
+              </a:ext>
+            </a:extLst>
+          </p:cNvPr>
+          <p:cNvSpPr>
+            <a:spLocks noGrp="1"/>
+          </p:cNvSpPr>
+          <p:nvPr>
+            <p:ph idx="1"/>
+          </p:nvPr>
+        </p:nvSpPr>
+        <p:spPr/>
+        <p:txBody>
+          <a:bodyPr/>
+          <a:lstStyle/>
+          <a:p>
+            <a:r>
+              <a:rPr kumimoji="1" lang="en-US" altLang="ja-JP" dirty="0"/>
+              <a:t>COM </a:t>
+            </a:r>
+            <a:r>
+              <a:rPr kumimoji="1" lang="ja-JP" altLang="en-US" dirty="0"/>
+              <a:t>は </a:t>
+            </a:r>
+            <a:r>
+              <a:rPr kumimoji="1" lang="en-US" altLang="ja-JP" dirty="0"/>
+              <a:t>API</a:t>
+            </a:r>
+            <a:r>
+              <a:rPr kumimoji="1" lang="ja-JP" altLang="en-US" dirty="0"/>
+              <a:t> と </a:t>
+            </a:r>
+            <a:r>
+              <a:rPr kumimoji="1" lang="en-US" altLang="ja-JP" dirty="0"/>
+              <a:t>ABI </a:t>
+            </a:r>
+            <a:r>
+              <a:rPr kumimoji="1" lang="ja-JP" altLang="en-US" dirty="0"/>
+              <a:t>の両方の制約</a:t>
+            </a:r>
+            <a:endParaRPr kumimoji="1" lang="en-US" altLang="ja-JP" dirty="0"/>
+          </a:p>
+          <a:p>
+            <a:r>
+              <a:rPr lang="en-US" altLang="ja-JP" dirty="0"/>
+              <a:t>.NET </a:t>
+            </a:r>
+            <a:r>
+              <a:rPr lang="ja-JP" altLang="en-US" dirty="0"/>
+              <a:t>では、</a:t>
+            </a:r>
+            <a:r>
+              <a:rPr lang="en-US" altLang="ja-JP" dirty="0"/>
+              <a:t>RCW(Runtime Callable Wrapper) </a:t>
+            </a:r>
+            <a:r>
+              <a:rPr lang="ja-JP" altLang="en-US" dirty="0"/>
+              <a:t>を意識</a:t>
+            </a:r>
+            <a:endParaRPr lang="en-US" altLang="ja-JP" dirty="0"/>
+          </a:p>
+          <a:p>
+            <a:r>
+              <a:rPr lang="en-US" altLang="ja-JP" dirty="0"/>
+              <a:t>HRESULT</a:t>
+            </a:r>
+            <a:r>
+              <a:rPr lang="ja-JP" altLang="en-US" dirty="0"/>
+              <a:t> の値を判定するなら </a:t>
+            </a:r>
+            <a:r>
+              <a:rPr lang="en-US" altLang="ja-JP" dirty="0"/>
+              <a:t>[</a:t>
+            </a:r>
+            <a:r>
+              <a:rPr lang="en-US" altLang="ja-JP" dirty="0" err="1"/>
+              <a:t>PreserveSig</a:t>
+            </a:r>
+            <a:r>
+              <a:rPr lang="en-US" altLang="ja-JP" dirty="0"/>
+              <a:t>] </a:t>
+            </a:r>
+            <a:r>
+              <a:rPr lang="ja-JP" altLang="en-US" dirty="0"/>
+              <a:t>を付ける</a:t>
+            </a:r>
+            <a:endParaRPr lang="en-US" altLang="ja-JP" dirty="0"/>
+          </a:p>
+          <a:p>
+            <a:r>
+              <a:rPr lang="en-US" altLang="ja-JP" dirty="0"/>
+              <a:t>COM interface </a:t>
+            </a:r>
+            <a:r>
+              <a:rPr lang="ja-JP" altLang="en-US" dirty="0"/>
+              <a:t>のメソッドは構造体の変数と同等</a:t>
+            </a:r>
+            <a:endParaRPr lang="en-US" altLang="ja-JP" dirty="0"/>
+          </a:p>
+          <a:p>
+            <a:r>
+              <a:rPr lang="ja-JP" altLang="en-US" dirty="0"/>
+              <a:t>使わないメソッドの引数は省略できる</a:t>
+            </a:r>
+            <a:endParaRPr lang="en-US" altLang="ja-JP" dirty="0"/>
+          </a:p>
+          <a:p>
+            <a:r>
+              <a:rPr lang="ja-JP" altLang="en-US" dirty="0"/>
+              <a:t>実行時規約なので名前</a:t>
+            </a:r>
+            <a:r>
+              <a:rPr lang="en-US" altLang="ja-JP" dirty="0"/>
+              <a:t>(</a:t>
+            </a:r>
+            <a:r>
+              <a:rPr lang="ja-JP" altLang="en-US" dirty="0"/>
+              <a:t>変数名</a:t>
+            </a:r>
+            <a:r>
+              <a:rPr lang="en-US" altLang="ja-JP" dirty="0"/>
+              <a:t>)</a:t>
+            </a:r>
+            <a:r>
+              <a:rPr lang="ja-JP" altLang="en-US" dirty="0"/>
+              <a:t>を変えても動作</a:t>
+            </a:r>
+            <a:endParaRPr lang="en-US" altLang="ja-JP" dirty="0"/>
+          </a:p>
+          <a:p>
+            <a:endParaRPr lang="en-US" altLang="ja-JP" dirty="0"/>
+          </a:p>
+        </p:txBody>
+      </p:sp>
+      <p:sp>
+        <p:nvSpPr>
+          <p:cNvPr id="4" name="タイトル 3">
+            <a:extLst>
+              <a:ext uri="{FF2B5EF4-FFF2-40B4-BE49-F238E27FC236}">
+                <a16:creationId xmlns:a16="http://schemas.microsoft.com/office/drawing/2014/main" id="{B73D4FFB-2323-4867-9E1B-2B6F5AEF7553}"/>
+              </a:ext>
+            </a:extLst>
+          </p:cNvPr>
+          <p:cNvSpPr>
+            <a:spLocks noGrp="1"/>
+          </p:cNvSpPr>
+          <p:nvPr>
+            <p:ph type="title"/>
+          </p:nvPr>
+        </p:nvSpPr>
+        <p:spPr/>
+        <p:txBody>
+          <a:bodyPr/>
+          <a:lstStyle/>
+          <a:p>
+            <a:r>
+              <a:rPr lang="ja-JP" altLang="en-US" dirty="0"/>
+              <a:t>まとめ</a:t>
+            </a:r>
+            <a:endParaRPr kumimoji="1" lang="ja-JP" altLang="en-US" dirty="0"/>
+          </a:p>
+        </p:txBody>
+      </p:sp>
+    </p:spTree>
+    <p:extLst>
+      <p:ext uri="{BB962C8B-B14F-4D97-AF65-F5344CB8AC3E}">
+        <p14:creationId xmlns:p14="http://schemas.microsoft.com/office/powerpoint/2010/main" val="4126523480"/>
       </p:ext>
     </p:extLst>
   </p:cSld>
@@ -3521,7 +4607,7 @@
         <p:spPr>
           <a:xfrm>
             <a:off x="551384" y="332656"/>
-            <a:ext cx="11089232" cy="5262979"/>
+            <a:ext cx="11089232" cy="4401205"/>
           </a:xfrm>
           <a:prstGeom prst="rect">
             <a:avLst/>
@@ -3594,15 +4680,6 @@
             </a:r>
           </a:p>
           <a:p>
-            <a:endParaRPr lang="ja-JP" altLang="en-US" sz="2800" dirty="0">
-              <a:solidFill>
-                <a:srgbClr val="000000"/>
-              </a:solidFill>
-              <a:latin typeface="+mj-lt"/>
-              <a:ea typeface="+mj-ea"/>
-            </a:endParaRPr>
-          </a:p>
-          <a:p>
             <a:r>
               <a:rPr lang="ja-JP" altLang="en-US" sz="2800" dirty="0">
                 <a:solidFill>
@@ -3615,15 +4692,6 @@
             </a:r>
           </a:p>
           <a:p>
-            <a:endParaRPr lang="ja-JP" altLang="en-US" sz="2800" dirty="0">
-              <a:solidFill>
-                <a:srgbClr val="000000"/>
-              </a:solidFill>
-              <a:latin typeface="+mj-lt"/>
-              <a:ea typeface="+mj-ea"/>
-            </a:endParaRPr>
-          </a:p>
-          <a:p>
             <a:r>
               <a:rPr lang="ja-JP" altLang="en-US" sz="2800" dirty="0">
                 <a:solidFill>
@@ -3744,6 +4812,63 @@
             </a:r>
             <a:endParaRPr lang="ja-JP" altLang="en-US" sz="2800" dirty="0">
               <a:latin typeface="+mj-lt"/>
+              <a:ea typeface="+mj-ea"/>
+            </a:endParaRPr>
+          </a:p>
+        </p:txBody>
+      </p:sp>
+      <p:sp>
+        <p:nvSpPr>
+          <p:cNvPr id="3" name="テキスト ボックス 2">
+            <a:extLst>
+              <a:ext uri="{FF2B5EF4-FFF2-40B4-BE49-F238E27FC236}">
+                <a16:creationId xmlns:a16="http://schemas.microsoft.com/office/drawing/2014/main" id="{B6E86857-3D4C-4676-B06D-096C0F309CCC}"/>
+              </a:ext>
+            </a:extLst>
+          </p:cNvPr>
+          <p:cNvSpPr txBox="1"/>
+          <p:nvPr/>
+        </p:nvSpPr>
+        <p:spPr>
+          <a:xfrm>
+            <a:off x="595939" y="4820959"/>
+            <a:ext cx="11000126" cy="1200329"/>
+          </a:xfrm>
+          <a:prstGeom prst="rect">
+            <a:avLst/>
+          </a:prstGeom>
+          <a:noFill/>
+        </p:spPr>
+        <p:txBody>
+          <a:bodyPr wrap="none" rtlCol="0">
+            <a:spAutoFit/>
+          </a:bodyPr>
+          <a:lstStyle/>
+          <a:p>
+            <a:pPr algn="ctr"/>
+            <a:r>
+              <a:rPr lang="ja-JP" altLang="en-US" sz="3600" dirty="0">
+                <a:latin typeface="+mj-ea"/>
+                <a:ea typeface="+mj-ea"/>
+              </a:rPr>
+              <a:t>本日の資料</a:t>
+            </a:r>
+            <a:br>
+              <a:rPr lang="en-US" altLang="ja-JP" sz="3600" dirty="0">
+                <a:latin typeface="+mj-ea"/>
+                <a:ea typeface="+mj-ea"/>
+              </a:rPr>
+            </a:br>
+            <a:r>
+              <a:rPr lang="en-US" altLang="ja-JP" sz="3600" dirty="0">
+                <a:latin typeface="+mj-ea"/>
+                <a:ea typeface="+mj-ea"/>
+                <a:hlinkClick r:id="rId2"/>
+              </a:rPr>
+              <a:t>http://github.com/tocchann/dotnetlab202009/</a:t>
+            </a:r>
+            <a:endParaRPr lang="en-US" altLang="ja-JP" sz="3600" dirty="0">
+              <a:latin typeface="+mj-ea"/>
               <a:ea typeface="+mj-ea"/>
             </a:endParaRPr>
           </a:p>
@@ -3759,6 +4884,18 @@
   <p:clrMapOvr>
     <a:masterClrMapping/>
   </p:clrMapOvr>
+  <mc:AlternateContent xmlns:mc="http://schemas.openxmlformats.org/markup-compatibility/2006" xmlns:p159="http://schemas.microsoft.com/office/powerpoint/2015/09/main">
+    <mc:Choice Requires="p159">
+      <p:transition xmlns:p14="http://schemas.microsoft.com/office/powerpoint/2010/main" spd="slow" p14:dur="2000">
+        <p159:morph option="byWord"/>
+      </p:transition>
+    </mc:Choice>
+    <mc:Fallback xmlns="">
+      <p:transition spd="slow">
+        <p:fade/>
+      </p:transition>
+    </mc:Fallback>
+  </mc:AlternateContent>
 </p:sld>
 </file>
 
@@ -3838,12 +4975,16 @@
           </a:p>
           <a:p>
             <a:r>
-              <a:rPr lang="ja-JP" altLang="en-US" dirty="0"/>
-              <a:t>オーナーウィンドウは意識していますか？</a:t>
-            </a:r>
-            <a:endParaRPr lang="en-US" altLang="ja-JP" dirty="0"/>
-          </a:p>
-          <a:p>
+              <a:rPr kumimoji="1" lang="ja-JP" altLang="en-US" dirty="0"/>
+              <a:t>実際の定義を見てみましょう</a:t>
+            </a:r>
+            <a:endParaRPr kumimoji="1" lang="en-US" altLang="ja-JP" dirty="0"/>
+          </a:p>
+          <a:p>
+            <a:r>
+              <a:rPr kumimoji="1" lang="ja-JP" altLang="en-US" dirty="0"/>
+              <a:t>まとめ</a:t>
+            </a:r>
             <a:endParaRPr kumimoji="1" lang="en-US" altLang="ja-JP" dirty="0"/>
           </a:p>
         </p:txBody>
@@ -3891,7 +5032,7 @@
         </p:nvSpPr>
         <p:spPr>
           <a:xfrm>
-            <a:off x="595939" y="3596823"/>
+            <a:off x="595939" y="4748951"/>
             <a:ext cx="11000126" cy="1200329"/>
           </a:xfrm>
           <a:prstGeom prst="rect">
@@ -3911,7 +5052,7 @@
                 <a:latin typeface="+mn-ea"/>
                 <a:ea typeface="+mn-ea"/>
               </a:rPr>
-              <a:t>サンプルプロジェクトはこちら↓</a:t>
+              <a:t>本日の資料</a:t>
             </a:r>
             <a:br>
               <a:rPr lang="en-US" altLang="ja-JP" sz="3600" dirty="0">
@@ -3944,6 +5085,18 @@
   <p:clrMapOvr>
     <a:masterClrMapping/>
   </p:clrMapOvr>
+  <mc:AlternateContent xmlns:mc="http://schemas.openxmlformats.org/markup-compatibility/2006" xmlns:p159="http://schemas.microsoft.com/office/powerpoint/2015/09/main">
+    <mc:Choice Requires="p159">
+      <p:transition xmlns:p14="http://schemas.microsoft.com/office/powerpoint/2010/main" spd="slow" p14:dur="2000">
+        <p159:morph option="byWord"/>
+      </p:transition>
+    </mc:Choice>
+    <mc:Fallback xmlns="">
+      <p:transition spd="slow">
+        <p:fade/>
+      </p:transition>
+    </mc:Fallback>
+  </mc:AlternateContent>
 </p:sld>
 </file>
 
@@ -4024,14 +5177,71 @@
         </p:blipFill>
         <p:spPr>
           <a:xfrm>
-            <a:off x="1588459" y="831495"/>
-            <a:ext cx="9011908" cy="5077534"/>
+            <a:off x="1549365" y="683676"/>
+            <a:ext cx="9090096" cy="5121588"/>
           </a:xfrm>
           <a:prstGeom prst="rect">
             <a:avLst/>
           </a:prstGeom>
         </p:spPr>
       </p:pic>
+      <p:sp>
+        <p:nvSpPr>
+          <p:cNvPr id="4" name="テキスト ボックス 3">
+            <a:extLst>
+              <a:ext uri="{FF2B5EF4-FFF2-40B4-BE49-F238E27FC236}">
+                <a16:creationId xmlns:a16="http://schemas.microsoft.com/office/drawing/2014/main" id="{A7C86396-ED7A-412B-92F0-3A0261794111}"/>
+              </a:ext>
+            </a:extLst>
+          </p:cNvPr>
+          <p:cNvSpPr txBox="1"/>
+          <p:nvPr/>
+        </p:nvSpPr>
+        <p:spPr>
+          <a:xfrm>
+            <a:off x="595939" y="3717032"/>
+            <a:ext cx="11000126" cy="1200329"/>
+          </a:xfrm>
+          <a:prstGeom prst="rect">
+            <a:avLst/>
+          </a:prstGeom>
+          <a:noFill/>
+        </p:spPr>
+        <p:txBody>
+          <a:bodyPr wrap="none" rtlCol="0">
+            <a:spAutoFit/>
+          </a:bodyPr>
+          <a:lstStyle/>
+          <a:p>
+            <a:pPr algn="ctr"/>
+            <a:r>
+              <a:rPr lang="ja-JP" altLang="en-US" sz="3600" dirty="0">
+                <a:latin typeface="+mj-ea"/>
+                <a:ea typeface="+mj-ea"/>
+              </a:rPr>
+              <a:t>本日の資料</a:t>
+            </a:r>
+            <a:br>
+              <a:rPr lang="en-US" altLang="ja-JP" sz="3600" dirty="0">
+                <a:latin typeface="+mj-ea"/>
+                <a:ea typeface="+mj-ea"/>
+              </a:rPr>
+            </a:br>
+            <a:r>
+              <a:rPr lang="en-US" altLang="ja-JP" sz="3600" dirty="0">
+                <a:latin typeface="+mj-ea"/>
+                <a:ea typeface="+mj-ea"/>
+                <a:hlinkClick r:id="rId3"/>
+              </a:rPr>
+              <a:t>http://github.com/tocchann/dotnetlab202009/</a:t>
+            </a:r>
+            <a:endParaRPr lang="en-US" altLang="ja-JP" sz="3600" dirty="0">
+              <a:latin typeface="+mj-ea"/>
+              <a:ea typeface="+mj-ea"/>
+            </a:endParaRPr>
+          </a:p>
+        </p:txBody>
+      </p:sp>
     </p:spTree>
     <p:extLst>
       <p:ext uri="{BB962C8B-B14F-4D97-AF65-F5344CB8AC3E}">
@@ -4042,6 +5252,18 @@
   <p:clrMapOvr>
     <a:masterClrMapping/>
   </p:clrMapOvr>
+  <mc:AlternateContent xmlns:mc="http://schemas.openxmlformats.org/markup-compatibility/2006" xmlns:p159="http://schemas.microsoft.com/office/powerpoint/2015/09/main">
+    <mc:Choice Requires="p159">
+      <p:transition xmlns:p14="http://schemas.microsoft.com/office/powerpoint/2010/main" spd="slow" p14:dur="2000">
+        <p159:morph option="byWord"/>
+      </p:transition>
+    </mc:Choice>
+    <mc:Fallback xmlns="">
+      <p:transition spd="slow">
+        <p:fade/>
+      </p:transition>
+    </mc:Fallback>
+  </mc:AlternateContent>
 </p:sld>
 </file>
 
@@ -4133,6 +5355,18 @@
   <p:clrMapOvr>
     <a:masterClrMapping/>
   </p:clrMapOvr>
+  <mc:AlternateContent xmlns:mc="http://schemas.openxmlformats.org/markup-compatibility/2006" xmlns:p159="http://schemas.microsoft.com/office/powerpoint/2015/09/main">
+    <mc:Choice Requires="p159">
+      <p:transition xmlns:p14="http://schemas.microsoft.com/office/powerpoint/2010/main" spd="slow" p14:dur="2000">
+        <p159:morph option="byWord"/>
+      </p:transition>
+    </mc:Choice>
+    <mc:Fallback xmlns="">
+      <p:transition spd="slow">
+        <p:fade/>
+      </p:transition>
+    </mc:Fallback>
+  </mc:AlternateContent>
 </p:sld>
 </file>
 
@@ -4176,7 +5410,7 @@
           <a:p>
             <a:r>
               <a:rPr kumimoji="1" lang="en-US" altLang="ja-JP" dirty="0"/>
-              <a:t>Common Object Model </a:t>
+              <a:t>Component Object Model </a:t>
             </a:r>
             <a:r>
               <a:rPr kumimoji="1" lang="ja-JP" altLang="en-US" dirty="0"/>
@@ -4210,14 +5444,30 @@
             <a:pPr lvl="1"/>
             <a:r>
               <a:rPr kumimoji="1" lang="ja-JP" altLang="en-US" dirty="0"/>
-              <a:t>インターフェースを介したやり取り形式</a:t>
+              <a:t>インターフェース</a:t>
+            </a:r>
+            <a:r>
+              <a:rPr lang="en-US" altLang="ja-JP" dirty="0"/>
+              <a:t>(</a:t>
+            </a:r>
+            <a:r>
+              <a:rPr lang="ja-JP" altLang="en-US" dirty="0"/>
+              <a:t>関数テーブル</a:t>
+            </a:r>
+            <a:r>
+              <a:rPr lang="en-US" altLang="ja-JP" dirty="0"/>
+              <a:t>)</a:t>
+            </a:r>
+            <a:r>
+              <a:rPr kumimoji="1" lang="ja-JP" altLang="en-US" dirty="0"/>
+              <a:t>を介したやり取り形式</a:t>
             </a:r>
             <a:endParaRPr kumimoji="1" lang="en-US" altLang="ja-JP" dirty="0"/>
           </a:p>
           <a:p>
             <a:r>
               <a:rPr kumimoji="1" lang="ja-JP" altLang="en-US" dirty="0"/>
-              <a:t>関数テーブル構造</a:t>
+              <a:t>関数テーブル構造って？</a:t>
             </a:r>
             <a:endParaRPr kumimoji="1" lang="en-US" altLang="ja-JP" dirty="0"/>
           </a:p>
@@ -4233,7 +5483,7 @@
             </a:r>
             <a:r>
               <a:rPr kumimoji="1" lang="ja-JP" altLang="en-US" dirty="0"/>
-              <a:t>の構造体と同等</a:t>
+              <a:t>の構造体</a:t>
             </a:r>
             <a:endParaRPr kumimoji="1" lang="en-US" altLang="ja-JP" dirty="0"/>
           </a:p>
@@ -4253,28 +5503,25 @@
             <a:pPr lvl="1"/>
             <a:r>
               <a:rPr kumimoji="1" lang="ja-JP" altLang="en-US" dirty="0"/>
-              <a:t>関数の位置情報だけなので、名前</a:t>
+              <a:t>関数の位置情報</a:t>
+            </a:r>
+            <a:r>
+              <a:rPr lang="en-US" altLang="ja-JP" dirty="0"/>
+              <a:t>(==</a:t>
             </a:r>
             <a:r>
               <a:rPr lang="ja-JP" altLang="en-US" dirty="0"/>
-              <a:t>装飾の影響を受けない</a:t>
+              <a:t>ポインタ</a:t>
+            </a:r>
+            <a:r>
+              <a:rPr lang="en-US" altLang="ja-JP" dirty="0"/>
+              <a:t>)</a:t>
+            </a:r>
+            <a:r>
+              <a:rPr kumimoji="1" lang="ja-JP" altLang="en-US" dirty="0"/>
+              <a:t>だけ</a:t>
             </a:r>
             <a:endParaRPr lang="en-US" altLang="ja-JP" dirty="0"/>
-          </a:p>
-          <a:p>
-            <a:r>
-              <a:rPr kumimoji="1" lang="ja-JP" altLang="en-US" dirty="0"/>
-              <a:t>インターフェース自体は </a:t>
-            </a:r>
-            <a:r>
-              <a:rPr kumimoji="1" lang="en-US" altLang="ja-JP" dirty="0"/>
-              <a:t>Widows </a:t>
-            </a:r>
-            <a:r>
-              <a:rPr kumimoji="1" lang="ja-JP" altLang="en-US" dirty="0"/>
-              <a:t>に依存しない</a:t>
-            </a:r>
-            <a:endParaRPr kumimoji="1" lang="en-US" altLang="ja-JP" dirty="0"/>
           </a:p>
         </p:txBody>
       </p:sp>
@@ -4325,6 +5572,399 @@
   <p:clrMapOvr>
     <a:masterClrMapping/>
   </p:clrMapOvr>
+  <mc:AlternateContent xmlns:mc="http://schemas.openxmlformats.org/markup-compatibility/2006" xmlns:p159="http://schemas.microsoft.com/office/powerpoint/2015/09/main">
+    <mc:Choice Requires="p159">
+      <p:transition xmlns:p14="http://schemas.microsoft.com/office/powerpoint/2010/main" spd="slow" p14:dur="2000">
+        <p159:morph option="byWord"/>
+      </p:transition>
+    </mc:Choice>
+    <mc:Fallback xmlns="">
+      <p:transition spd="slow">
+        <p:fade/>
+      </p:transition>
+    </mc:Fallback>
+  </mc:AlternateContent>
+</p:sld>
+</file>
+
+<file path=ppt/slides/slide7.xml><?xml version="1.0" encoding="utf-8"?>
+<p:sld xmlns:a="http://schemas.openxmlformats.org/drawingml/2006/main" xmlns:r="http://schemas.openxmlformats.org/officeDocument/2006/relationships" xmlns:p="http://schemas.openxmlformats.org/presentationml/2006/main">
+  <p:cSld>
+    <p:spTree>
+      <p:nvGrpSpPr>
+        <p:cNvPr id="1" name=""/>
+        <p:cNvGrpSpPr/>
+        <p:nvPr/>
+      </p:nvGrpSpPr>
+      <p:grpSpPr>
+        <a:xfrm>
+          <a:off x="0" y="0"/>
+          <a:ext cx="0" cy="0"/>
+          <a:chOff x="0" y="0"/>
+          <a:chExt cx="0" cy="0"/>
+        </a:xfrm>
+      </p:grpSpPr>
+      <p:sp>
+        <p:nvSpPr>
+          <p:cNvPr id="4" name="タイトル 3">
+            <a:extLst>
+              <a:ext uri="{FF2B5EF4-FFF2-40B4-BE49-F238E27FC236}">
+                <a16:creationId xmlns:a16="http://schemas.microsoft.com/office/drawing/2014/main" id="{01B49D2E-62A5-48A5-8DAD-60AFE9D92140}"/>
+              </a:ext>
+            </a:extLst>
+          </p:cNvPr>
+          <p:cNvSpPr>
+            <a:spLocks noGrp="1"/>
+          </p:cNvSpPr>
+          <p:nvPr>
+            <p:ph type="title"/>
+          </p:nvPr>
+        </p:nvSpPr>
+        <p:spPr/>
+        <p:txBody>
+          <a:bodyPr/>
+          <a:lstStyle/>
+          <a:p>
+            <a:r>
+              <a:rPr lang="ja-JP" altLang="en-US" dirty="0"/>
+              <a:t>必要最低限のインターフェース定義って？</a:t>
+            </a:r>
+            <a:endParaRPr kumimoji="1" lang="ja-JP" altLang="en-US" dirty="0"/>
+          </a:p>
+        </p:txBody>
+      </p:sp>
+      <p:sp>
+        <p:nvSpPr>
+          <p:cNvPr id="5" name="テキスト プレースホルダー 4">
+            <a:extLst>
+              <a:ext uri="{FF2B5EF4-FFF2-40B4-BE49-F238E27FC236}">
+                <a16:creationId xmlns:a16="http://schemas.microsoft.com/office/drawing/2014/main" id="{21CAF37E-F00B-4760-9434-B4D9DCA150A7}"/>
+              </a:ext>
+            </a:extLst>
+          </p:cNvPr>
+          <p:cNvSpPr>
+            <a:spLocks noGrp="1"/>
+          </p:cNvSpPr>
+          <p:nvPr>
+            <p:ph type="body" idx="1"/>
+          </p:nvPr>
+        </p:nvSpPr>
+        <p:spPr/>
+        <p:txBody>
+          <a:bodyPr/>
+          <a:lstStyle/>
+          <a:p>
+            <a:endParaRPr kumimoji="1" lang="ja-JP" altLang="en-US"/>
+          </a:p>
+        </p:txBody>
+      </p:sp>
+    </p:spTree>
+    <p:extLst>
+      <p:ext uri="{BB962C8B-B14F-4D97-AF65-F5344CB8AC3E}">
+        <p14:creationId xmlns:p14="http://schemas.microsoft.com/office/powerpoint/2010/main" val="1870585438"/>
+      </p:ext>
+    </p:extLst>
+  </p:cSld>
+  <p:clrMapOvr>
+    <a:masterClrMapping/>
+  </p:clrMapOvr>
+  <mc:AlternateContent xmlns:mc="http://schemas.openxmlformats.org/markup-compatibility/2006" xmlns:p159="http://schemas.microsoft.com/office/powerpoint/2015/09/main">
+    <mc:Choice Requires="p159">
+      <p:transition xmlns:p14="http://schemas.microsoft.com/office/powerpoint/2010/main" spd="slow" p14:dur="2000">
+        <p159:morph option="byWord"/>
+      </p:transition>
+    </mc:Choice>
+    <mc:Fallback xmlns="">
+      <p:transition spd="slow">
+        <p:fade/>
+      </p:transition>
+    </mc:Fallback>
+  </mc:AlternateContent>
+</p:sld>
+</file>
+
+<file path=ppt/slides/slide8.xml><?xml version="1.0" encoding="utf-8"?>
+<p:sld xmlns:a="http://schemas.openxmlformats.org/drawingml/2006/main" xmlns:r="http://schemas.openxmlformats.org/officeDocument/2006/relationships" xmlns:p="http://schemas.openxmlformats.org/presentationml/2006/main">
+  <p:cSld>
+    <p:spTree>
+      <p:nvGrpSpPr>
+        <p:cNvPr id="1" name=""/>
+        <p:cNvGrpSpPr/>
+        <p:nvPr/>
+      </p:nvGrpSpPr>
+      <p:grpSpPr>
+        <a:xfrm>
+          <a:off x="0" y="0"/>
+          <a:ext cx="0" cy="0"/>
+          <a:chOff x="0" y="0"/>
+          <a:chExt cx="0" cy="0"/>
+        </a:xfrm>
+      </p:grpSpPr>
+      <p:sp>
+        <p:nvSpPr>
+          <p:cNvPr id="3" name="タイトル 2">
+            <a:extLst>
+              <a:ext uri="{FF2B5EF4-FFF2-40B4-BE49-F238E27FC236}">
+                <a16:creationId xmlns:a16="http://schemas.microsoft.com/office/drawing/2014/main" id="{E2BEC5C5-50C1-4644-9DB3-F5D9FD76B502}"/>
+              </a:ext>
+            </a:extLst>
+          </p:cNvPr>
+          <p:cNvSpPr>
+            <a:spLocks noGrp="1"/>
+          </p:cNvSpPr>
+          <p:nvPr>
+            <p:ph type="title"/>
+          </p:nvPr>
+        </p:nvSpPr>
+        <p:spPr/>
+        <p:txBody>
+          <a:bodyPr/>
+          <a:lstStyle/>
+          <a:p>
+            <a:r>
+              <a:rPr lang="ja-JP" altLang="en-US" dirty="0"/>
+              <a:t>必要最低限のインターフェース定義って？</a:t>
+            </a:r>
+          </a:p>
+        </p:txBody>
+      </p:sp>
+      <p:sp>
+        <p:nvSpPr>
+          <p:cNvPr id="5" name="テキスト ボックス 4">
+            <a:extLst>
+              <a:ext uri="{FF2B5EF4-FFF2-40B4-BE49-F238E27FC236}">
+                <a16:creationId xmlns:a16="http://schemas.microsoft.com/office/drawing/2014/main" id="{283DAF9C-6B08-4631-9F60-DFD1362AA518}"/>
+              </a:ext>
+            </a:extLst>
+          </p:cNvPr>
+          <p:cNvSpPr txBox="1"/>
+          <p:nvPr/>
+        </p:nvSpPr>
+        <p:spPr>
+          <a:xfrm>
+            <a:off x="1127448" y="835833"/>
+            <a:ext cx="9937104" cy="5401479"/>
+          </a:xfrm>
+          <a:prstGeom prst="rect">
+            <a:avLst/>
+          </a:prstGeom>
+          <a:noFill/>
+        </p:spPr>
+        <p:txBody>
+          <a:bodyPr wrap="square" rtlCol="0">
+            <a:spAutoFit/>
+          </a:bodyPr>
+          <a:lstStyle/>
+          <a:p>
+            <a:pPr algn="ctr"/>
+            <a:r>
+              <a:rPr lang="ja-JP" altLang="en-US" sz="11500" dirty="0">
+                <a:latin typeface="+mn-ea"/>
+                <a:ea typeface="+mn-ea"/>
+              </a:rPr>
+              <a:t>バイナリレベルでの互換性を維持したもの</a:t>
+            </a:r>
+            <a:endParaRPr kumimoji="1" lang="ja-JP" altLang="en-US" sz="11500" dirty="0">
+              <a:latin typeface="+mn-ea"/>
+              <a:ea typeface="+mn-ea"/>
+            </a:endParaRPr>
+          </a:p>
+        </p:txBody>
+      </p:sp>
+    </p:spTree>
+    <p:extLst>
+      <p:ext uri="{BB962C8B-B14F-4D97-AF65-F5344CB8AC3E}">
+        <p14:creationId xmlns:p14="http://schemas.microsoft.com/office/powerpoint/2010/main" val="3049960863"/>
+      </p:ext>
+    </p:extLst>
+  </p:cSld>
+  <p:clrMapOvr>
+    <a:masterClrMapping/>
+  </p:clrMapOvr>
+  <mc:AlternateContent xmlns:mc="http://schemas.openxmlformats.org/markup-compatibility/2006" xmlns:p159="http://schemas.microsoft.com/office/powerpoint/2015/09/main">
+    <mc:Choice Requires="p159">
+      <p:transition xmlns:p14="http://schemas.microsoft.com/office/powerpoint/2010/main" spd="slow" p14:dur="2000">
+        <p159:morph option="byWord"/>
+      </p:transition>
+    </mc:Choice>
+    <mc:Fallback xmlns="">
+      <p:transition spd="slow">
+        <p:fade/>
+      </p:transition>
+    </mc:Fallback>
+  </mc:AlternateContent>
+</p:sld>
+</file>
+
+<file path=ppt/slides/slide9.xml><?xml version="1.0" encoding="utf-8"?>
+<p:sld xmlns:a="http://schemas.openxmlformats.org/drawingml/2006/main" xmlns:r="http://schemas.openxmlformats.org/officeDocument/2006/relationships" xmlns:p="http://schemas.openxmlformats.org/presentationml/2006/main">
+  <p:cSld>
+    <p:spTree>
+      <p:nvGrpSpPr>
+        <p:cNvPr id="1" name=""/>
+        <p:cNvGrpSpPr/>
+        <p:nvPr/>
+      </p:nvGrpSpPr>
+      <p:grpSpPr>
+        <a:xfrm>
+          <a:off x="0" y="0"/>
+          <a:ext cx="0" cy="0"/>
+          <a:chOff x="0" y="0"/>
+          <a:chExt cx="0" cy="0"/>
+        </a:xfrm>
+      </p:grpSpPr>
+      <p:sp>
+        <p:nvSpPr>
+          <p:cNvPr id="2" name="コンテンツ プレースホルダー 1">
+            <a:extLst>
+              <a:ext uri="{FF2B5EF4-FFF2-40B4-BE49-F238E27FC236}">
+                <a16:creationId xmlns:a16="http://schemas.microsoft.com/office/drawing/2014/main" id="{AC6D9393-F20A-4B9F-9CF6-7CEA6464F8EF}"/>
+              </a:ext>
+            </a:extLst>
+          </p:cNvPr>
+          <p:cNvSpPr>
+            <a:spLocks noGrp="1"/>
+          </p:cNvSpPr>
+          <p:nvPr>
+            <p:ph idx="1"/>
+          </p:nvPr>
+        </p:nvSpPr>
+        <p:spPr/>
+        <p:txBody>
+          <a:bodyPr/>
+          <a:lstStyle/>
+          <a:p>
+            <a:r>
+              <a:rPr kumimoji="1" lang="ja-JP" altLang="en-US" dirty="0"/>
+              <a:t>まずは実際の定義を確認する</a:t>
+            </a:r>
+            <a:endParaRPr kumimoji="1" lang="en-US" altLang="ja-JP" dirty="0"/>
+          </a:p>
+          <a:p>
+            <a:pPr lvl="1"/>
+            <a:r>
+              <a:rPr lang="en-US" altLang="ja-JP" dirty="0"/>
+              <a:t>Windows SDK </a:t>
+            </a:r>
+            <a:r>
+              <a:rPr lang="ja-JP" altLang="en-US" dirty="0"/>
+              <a:t>の </a:t>
+            </a:r>
+            <a:r>
+              <a:rPr lang="en-US" altLang="ja-JP" dirty="0"/>
+              <a:t>ShObjIdl_core.idl</a:t>
+            </a:r>
+            <a:r>
+              <a:rPr lang="ja-JP" altLang="en-US" dirty="0"/>
+              <a:t> に定義されている</a:t>
+            </a:r>
+            <a:endParaRPr lang="en-US" altLang="ja-JP" dirty="0"/>
+          </a:p>
+          <a:p>
+            <a:r>
+              <a:rPr lang="ja-JP" altLang="en-US" dirty="0"/>
+              <a:t>継承</a:t>
+            </a:r>
+            <a:endParaRPr lang="en-US" altLang="ja-JP" dirty="0"/>
+          </a:p>
+          <a:p>
+            <a:pPr lvl="1"/>
+            <a:r>
+              <a:rPr kumimoji="1" lang="en-US" altLang="ja-JP" dirty="0" err="1"/>
+              <a:t>IUnknown</a:t>
+            </a:r>
+            <a:r>
+              <a:rPr kumimoji="1" lang="en-US" altLang="ja-JP" dirty="0"/>
+              <a:t> </a:t>
+            </a:r>
+            <a:r>
+              <a:rPr kumimoji="1" lang="ja-JP" altLang="en-US" dirty="0"/>
+              <a:t>→ </a:t>
+            </a:r>
+            <a:r>
+              <a:rPr kumimoji="1" lang="en-US" altLang="ja-JP" dirty="0" err="1"/>
+              <a:t>IModalWindow</a:t>
+            </a:r>
+            <a:r>
+              <a:rPr kumimoji="1" lang="en-US" altLang="ja-JP" dirty="0"/>
+              <a:t> </a:t>
+            </a:r>
+            <a:r>
+              <a:rPr lang="ja-JP" altLang="en-US" dirty="0"/>
+              <a:t>→ </a:t>
+            </a:r>
+            <a:r>
+              <a:rPr lang="en-US" altLang="ja-JP" dirty="0" err="1"/>
+              <a:t>IFileDialog</a:t>
+            </a:r>
+            <a:br>
+              <a:rPr lang="en-US" altLang="ja-JP" dirty="0"/>
+            </a:br>
+            <a:r>
+              <a:rPr lang="ja-JP" altLang="en-US" dirty="0"/>
+              <a:t>→ </a:t>
+            </a:r>
+            <a:r>
+              <a:rPr lang="en-US" altLang="ja-JP" dirty="0" err="1"/>
+              <a:t>IFileOpenDialog</a:t>
+            </a:r>
+            <a:endParaRPr lang="en-US" altLang="ja-JP" dirty="0"/>
+          </a:p>
+          <a:p>
+            <a:endParaRPr lang="en-US" altLang="ja-JP" dirty="0"/>
+          </a:p>
+        </p:txBody>
+      </p:sp>
+      <p:sp>
+        <p:nvSpPr>
+          <p:cNvPr id="3" name="タイトル 2">
+            <a:extLst>
+              <a:ext uri="{FF2B5EF4-FFF2-40B4-BE49-F238E27FC236}">
+                <a16:creationId xmlns:a16="http://schemas.microsoft.com/office/drawing/2014/main" id="{98761E4C-4F82-4F74-A4CE-A2988CA461C0}"/>
+              </a:ext>
+            </a:extLst>
+          </p:cNvPr>
+          <p:cNvSpPr>
+            <a:spLocks noGrp="1"/>
+          </p:cNvSpPr>
+          <p:nvPr>
+            <p:ph type="title"/>
+          </p:nvPr>
+        </p:nvSpPr>
+        <p:spPr/>
+        <p:txBody>
+          <a:bodyPr/>
+          <a:lstStyle/>
+          <a:p>
+            <a:r>
+              <a:rPr kumimoji="1" lang="ja-JP" altLang="en-US" dirty="0"/>
+              <a:t>必要最低限のインターフェース定義って？</a:t>
+            </a:r>
+          </a:p>
+        </p:txBody>
+      </p:sp>
+    </p:spTree>
+    <p:extLst>
+      <p:ext uri="{BB962C8B-B14F-4D97-AF65-F5344CB8AC3E}">
+        <p14:creationId xmlns:p14="http://schemas.microsoft.com/office/powerpoint/2010/main" val="1468289313"/>
+      </p:ext>
+    </p:extLst>
+  </p:cSld>
+  <p:clrMapOvr>
+    <a:masterClrMapping/>
+  </p:clrMapOvr>
+  <mc:AlternateContent xmlns:mc="http://schemas.openxmlformats.org/markup-compatibility/2006" xmlns:p159="http://schemas.microsoft.com/office/powerpoint/2015/09/main">
+    <mc:Choice Requires="p159">
+      <p:transition xmlns:p14="http://schemas.microsoft.com/office/powerpoint/2010/main" spd="slow" p14:dur="2000">
+        <p159:morph option="byWord"/>
+      </p:transition>
+    </mc:Choice>
+    <mc:Fallback xmlns="">
+      <p:transition spd="slow">
+        <p:fade/>
+      </p:transition>
+    </mc:Fallback>
+  </mc:AlternateContent>
 </p:sld>
 </file>
 

--- a/Documents/セッション資料.pptx
+++ b/Documents/セッション資料.pptx
@@ -3491,6 +3491,63 @@
           </a:p>
         </p:txBody>
       </p:sp>
+      <p:sp>
+        <p:nvSpPr>
+          <p:cNvPr id="4" name="テキスト ボックス 3">
+            <a:extLst>
+              <a:ext uri="{FF2B5EF4-FFF2-40B4-BE49-F238E27FC236}">
+                <a16:creationId xmlns:a16="http://schemas.microsoft.com/office/drawing/2014/main" id="{1D0A8BEB-AD6E-471F-AF93-BAB0C1131B02}"/>
+              </a:ext>
+            </a:extLst>
+          </p:cNvPr>
+          <p:cNvSpPr txBox="1"/>
+          <p:nvPr/>
+        </p:nvSpPr>
+        <p:spPr>
+          <a:xfrm>
+            <a:off x="595939" y="4748951"/>
+            <a:ext cx="11000126" cy="1200329"/>
+          </a:xfrm>
+          <a:prstGeom prst="rect">
+            <a:avLst/>
+          </a:prstGeom>
+          <a:noFill/>
+        </p:spPr>
+        <p:txBody>
+          <a:bodyPr wrap="none" rtlCol="0">
+            <a:spAutoFit/>
+          </a:bodyPr>
+          <a:lstStyle/>
+          <a:p>
+            <a:pPr algn="ctr"/>
+            <a:r>
+              <a:rPr lang="ja-JP" altLang="en-US" sz="3600" dirty="0">
+                <a:latin typeface="+mn-ea"/>
+                <a:ea typeface="+mn-ea"/>
+              </a:rPr>
+              <a:t>本日の資料</a:t>
+            </a:r>
+            <a:br>
+              <a:rPr lang="en-US" altLang="ja-JP" sz="3600" dirty="0">
+                <a:latin typeface="+mn-ea"/>
+                <a:ea typeface="+mn-ea"/>
+              </a:rPr>
+            </a:br>
+            <a:r>
+              <a:rPr lang="en-US" altLang="ja-JP" sz="3600" dirty="0">
+                <a:latin typeface="+mn-ea"/>
+                <a:ea typeface="+mn-ea"/>
+                <a:hlinkClick r:id="rId4"/>
+              </a:rPr>
+              <a:t>http://github.com/tocchann/dotnetlab202009/</a:t>
+            </a:r>
+            <a:endParaRPr lang="en-US" altLang="ja-JP" sz="3600" dirty="0">
+              <a:latin typeface="+mn-ea"/>
+              <a:ea typeface="+mn-ea"/>
+            </a:endParaRPr>
+          </a:p>
+        </p:txBody>
+      </p:sp>
     </p:spTree>
     <p:extLst>
       <p:ext uri="{BB962C8B-B14F-4D97-AF65-F5344CB8AC3E}">
@@ -3501,18 +3558,285 @@
   <p:clrMapOvr>
     <a:masterClrMapping/>
   </p:clrMapOvr>
-  <mc:AlternateContent xmlns:mc="http://schemas.openxmlformats.org/markup-compatibility/2006" xmlns:p159="http://schemas.microsoft.com/office/powerpoint/2015/09/main">
-    <mc:Choice Requires="p159">
+  <mc:AlternateContent xmlns:mc="http://schemas.openxmlformats.org/markup-compatibility/2006">
+    <mc:Choice xmlns:p159="http://schemas.microsoft.com/office/powerpoint/2015/09/main" Requires="p159">
       <p:transition xmlns:p14="http://schemas.microsoft.com/office/powerpoint/2010/main" spd="slow" p14:dur="2000">
         <p159:morph option="byWord"/>
       </p:transition>
     </mc:Choice>
-    <mc:Fallback xmlns="">
+    <mc:Fallback>
       <p:transition spd="slow">
         <p:fade/>
       </p:transition>
     </mc:Fallback>
   </mc:AlternateContent>
+  <p:timing>
+    <p:tnLst>
+      <p:par>
+        <p:cTn id="1" dur="indefinite" restart="never" nodeType="tmRoot">
+          <p:childTnLst>
+            <p:seq concurrent="1" nextAc="seek">
+              <p:cTn id="2" dur="indefinite" nodeType="mainSeq">
+                <p:childTnLst>
+                  <p:par>
+                    <p:cTn id="3" fill="hold">
+                      <p:stCondLst>
+                        <p:cond delay="indefinite"/>
+                      </p:stCondLst>
+                      <p:childTnLst>
+                        <p:par>
+                          <p:cTn id="4" fill="hold">
+                            <p:stCondLst>
+                              <p:cond delay="0"/>
+                            </p:stCondLst>
+                            <p:childTnLst>
+                              <p:par>
+                                <p:cTn id="5" presetID="10" presetClass="entr" presetSubtype="0" fill="hold" grpId="0" nodeType="clickEffect">
+                                  <p:stCondLst>
+                                    <p:cond delay="0"/>
+                                  </p:stCondLst>
+                                  <p:childTnLst>
+                                    <p:set>
+                                      <p:cBhvr>
+                                        <p:cTn id="6" dur="1" fill="hold">
+                                          <p:stCondLst>
+                                            <p:cond delay="0"/>
+                                          </p:stCondLst>
+                                        </p:cTn>
+                                        <p:tgtEl>
+                                          <p:spTgt spid="4">
+                                            <p:txEl>
+                                              <p:pRg st="0" end="0"/>
+                                            </p:txEl>
+                                          </p:spTgt>
+                                        </p:tgtEl>
+                                        <p:attrNameLst>
+                                          <p:attrName>style.visibility</p:attrName>
+                                        </p:attrNameLst>
+                                      </p:cBhvr>
+                                      <p:to>
+                                        <p:strVal val="visible"/>
+                                      </p:to>
+                                    </p:set>
+                                    <p:animEffect transition="in" filter="fade">
+                                      <p:cBhvr>
+                                        <p:cTn id="7" dur="500"/>
+                                        <p:tgtEl>
+                                          <p:spTgt spid="4">
+                                            <p:txEl>
+                                              <p:pRg st="0" end="0"/>
+                                            </p:txEl>
+                                          </p:spTgt>
+                                        </p:tgtEl>
+                                      </p:cBhvr>
+                                    </p:animEffect>
+                                  </p:childTnLst>
+                                </p:cTn>
+                              </p:par>
+                              <p:par>
+                                <p:cTn id="8" presetID="10" presetClass="exit" presetSubtype="0" fill="hold" grpId="0" nodeType="withEffect">
+                                  <p:stCondLst>
+                                    <p:cond delay="0"/>
+                                  </p:stCondLst>
+                                  <p:childTnLst>
+                                    <p:animEffect transition="out" filter="fade">
+                                      <p:cBhvr>
+                                        <p:cTn id="9" dur="500"/>
+                                        <p:tgtEl>
+                                          <p:spTgt spid="3">
+                                            <p:txEl>
+                                              <p:pRg st="0" end="0"/>
+                                            </p:txEl>
+                                          </p:spTgt>
+                                        </p:tgtEl>
+                                      </p:cBhvr>
+                                    </p:animEffect>
+                                    <p:set>
+                                      <p:cBhvr>
+                                        <p:cTn id="10" dur="1" fill="hold">
+                                          <p:stCondLst>
+                                            <p:cond delay="499"/>
+                                          </p:stCondLst>
+                                        </p:cTn>
+                                        <p:tgtEl>
+                                          <p:spTgt spid="3">
+                                            <p:txEl>
+                                              <p:pRg st="0" end="0"/>
+                                            </p:txEl>
+                                          </p:spTgt>
+                                        </p:tgtEl>
+                                        <p:attrNameLst>
+                                          <p:attrName>style.visibility</p:attrName>
+                                        </p:attrNameLst>
+                                      </p:cBhvr>
+                                      <p:to>
+                                        <p:strVal val="hidden"/>
+                                      </p:to>
+                                    </p:set>
+                                  </p:childTnLst>
+                                </p:cTn>
+                              </p:par>
+                              <p:par>
+                                <p:cTn id="11" presetID="10" presetClass="exit" presetSubtype="0" fill="hold" grpId="0" nodeType="withEffect">
+                                  <p:stCondLst>
+                                    <p:cond delay="0"/>
+                                  </p:stCondLst>
+                                  <p:childTnLst>
+                                    <p:animEffect transition="out" filter="fade">
+                                      <p:cBhvr>
+                                        <p:cTn id="12" dur="500"/>
+                                        <p:tgtEl>
+                                          <p:spTgt spid="3">
+                                            <p:txEl>
+                                              <p:pRg st="1" end="1"/>
+                                            </p:txEl>
+                                          </p:spTgt>
+                                        </p:tgtEl>
+                                      </p:cBhvr>
+                                    </p:animEffect>
+                                    <p:set>
+                                      <p:cBhvr>
+                                        <p:cTn id="13" dur="1" fill="hold">
+                                          <p:stCondLst>
+                                            <p:cond delay="499"/>
+                                          </p:stCondLst>
+                                        </p:cTn>
+                                        <p:tgtEl>
+                                          <p:spTgt spid="3">
+                                            <p:txEl>
+                                              <p:pRg st="1" end="1"/>
+                                            </p:txEl>
+                                          </p:spTgt>
+                                        </p:tgtEl>
+                                        <p:attrNameLst>
+                                          <p:attrName>style.visibility</p:attrName>
+                                        </p:attrNameLst>
+                                      </p:cBhvr>
+                                      <p:to>
+                                        <p:strVal val="hidden"/>
+                                      </p:to>
+                                    </p:set>
+                                  </p:childTnLst>
+                                </p:cTn>
+                              </p:par>
+                              <p:par>
+                                <p:cTn id="14" presetID="10" presetClass="exit" presetSubtype="0" fill="hold" grpId="0" nodeType="withEffect">
+                                  <p:stCondLst>
+                                    <p:cond delay="0"/>
+                                  </p:stCondLst>
+                                  <p:childTnLst>
+                                    <p:animEffect transition="out" filter="fade">
+                                      <p:cBhvr>
+                                        <p:cTn id="15" dur="500"/>
+                                        <p:tgtEl>
+                                          <p:spTgt spid="3">
+                                            <p:txEl>
+                                              <p:pRg st="2" end="2"/>
+                                            </p:txEl>
+                                          </p:spTgt>
+                                        </p:tgtEl>
+                                      </p:cBhvr>
+                                    </p:animEffect>
+                                    <p:set>
+                                      <p:cBhvr>
+                                        <p:cTn id="16" dur="1" fill="hold">
+                                          <p:stCondLst>
+                                            <p:cond delay="499"/>
+                                          </p:stCondLst>
+                                        </p:cTn>
+                                        <p:tgtEl>
+                                          <p:spTgt spid="3">
+                                            <p:txEl>
+                                              <p:pRg st="2" end="2"/>
+                                            </p:txEl>
+                                          </p:spTgt>
+                                        </p:tgtEl>
+                                        <p:attrNameLst>
+                                          <p:attrName>style.visibility</p:attrName>
+                                        </p:attrNameLst>
+                                      </p:cBhvr>
+                                      <p:to>
+                                        <p:strVal val="hidden"/>
+                                      </p:to>
+                                    </p:set>
+                                  </p:childTnLst>
+                                </p:cTn>
+                              </p:par>
+                              <p:par>
+                                <p:cTn id="17" presetID="10" presetClass="exit" presetSubtype="0" fill="hold" grpId="0" nodeType="withEffect">
+                                  <p:stCondLst>
+                                    <p:cond delay="0"/>
+                                  </p:stCondLst>
+                                  <p:childTnLst>
+                                    <p:animEffect transition="out" filter="fade">
+                                      <p:cBhvr>
+                                        <p:cTn id="18" dur="500"/>
+                                        <p:tgtEl>
+                                          <p:spTgt spid="3">
+                                            <p:txEl>
+                                              <p:pRg st="3" end="3"/>
+                                            </p:txEl>
+                                          </p:spTgt>
+                                        </p:tgtEl>
+                                      </p:cBhvr>
+                                    </p:animEffect>
+                                    <p:set>
+                                      <p:cBhvr>
+                                        <p:cTn id="19" dur="1" fill="hold">
+                                          <p:stCondLst>
+                                            <p:cond delay="499"/>
+                                          </p:stCondLst>
+                                        </p:cTn>
+                                        <p:tgtEl>
+                                          <p:spTgt spid="3">
+                                            <p:txEl>
+                                              <p:pRg st="3" end="3"/>
+                                            </p:txEl>
+                                          </p:spTgt>
+                                        </p:tgtEl>
+                                        <p:attrNameLst>
+                                          <p:attrName>style.visibility</p:attrName>
+                                        </p:attrNameLst>
+                                      </p:cBhvr>
+                                      <p:to>
+                                        <p:strVal val="hidden"/>
+                                      </p:to>
+                                    </p:set>
+                                  </p:childTnLst>
+                                </p:cTn>
+                              </p:par>
+                            </p:childTnLst>
+                          </p:cTn>
+                        </p:par>
+                      </p:childTnLst>
+                    </p:cTn>
+                  </p:par>
+                </p:childTnLst>
+              </p:cTn>
+              <p:prevCondLst>
+                <p:cond evt="onPrev" delay="0">
+                  <p:tgtEl>
+                    <p:sldTgt/>
+                  </p:tgtEl>
+                </p:cond>
+              </p:prevCondLst>
+              <p:nextCondLst>
+                <p:cond evt="onNext" delay="0">
+                  <p:tgtEl>
+                    <p:sldTgt/>
+                  </p:tgtEl>
+                </p:cond>
+              </p:nextCondLst>
+            </p:seq>
+          </p:childTnLst>
+        </p:cTn>
+      </p:par>
+    </p:tnLst>
+    <p:bldLst>
+      <p:bldP spid="3" grpId="0" build="allAtOnce"/>
+      <p:bldP spid="4" grpId="0" build="allAtOnce"/>
+    </p:bldLst>
+  </p:timing>
 </p:sld>
 </file>
 
@@ -4576,7 +4900,7 @@
 </file>
 
 <file path=ppt/slides/slide2.xml><?xml version="1.0" encoding="utf-8"?>
-<p:sld xmlns:a="http://schemas.openxmlformats.org/drawingml/2006/main" xmlns:r="http://schemas.openxmlformats.org/officeDocument/2006/relationships" xmlns:p="http://schemas.openxmlformats.org/presentationml/2006/main">
+<p:sld xmlns:a="http://schemas.openxmlformats.org/drawingml/2006/main" xmlns:r="http://schemas.openxmlformats.org/officeDocument/2006/relationships" xmlns:p="http://schemas.openxmlformats.org/presentationml/2006/main" show="0">
   <p:cSld>
     <p:spTree>
       <p:nvGrpSpPr>
@@ -4884,13 +5208,13 @@
   <p:clrMapOvr>
     <a:masterClrMapping/>
   </p:clrMapOvr>
-  <mc:AlternateContent xmlns:mc="http://schemas.openxmlformats.org/markup-compatibility/2006" xmlns:p159="http://schemas.microsoft.com/office/powerpoint/2015/09/main">
-    <mc:Choice Requires="p159">
+  <mc:AlternateContent xmlns:mc="http://schemas.openxmlformats.org/markup-compatibility/2006">
+    <mc:Choice xmlns:p159="http://schemas.microsoft.com/office/powerpoint/2015/09/main" Requires="p159">
       <p:transition xmlns:p14="http://schemas.microsoft.com/office/powerpoint/2010/main" spd="slow" p14:dur="2000">
         <p159:morph option="byWord"/>
       </p:transition>
     </mc:Choice>
-    <mc:Fallback xmlns="">
+    <mc:Fallback>
       <p:transition spd="slow">
         <p:fade/>
       </p:transition>

--- a/Documents/セッション資料.pptx
+++ b/Documents/セッション資料.pptx
@@ -3558,13 +3558,13 @@
   <p:clrMapOvr>
     <a:masterClrMapping/>
   </p:clrMapOvr>
-  <mc:AlternateContent xmlns:mc="http://schemas.openxmlformats.org/markup-compatibility/2006">
-    <mc:Choice xmlns:p159="http://schemas.microsoft.com/office/powerpoint/2015/09/main" Requires="p159">
+  <mc:AlternateContent xmlns:mc="http://schemas.openxmlformats.org/markup-compatibility/2006" xmlns:p159="http://schemas.microsoft.com/office/powerpoint/2015/09/main">
+    <mc:Choice Requires="p159">
       <p:transition xmlns:p14="http://schemas.microsoft.com/office/powerpoint/2010/main" spd="slow" p14:dur="2000">
         <p159:morph option="byWord"/>
       </p:transition>
     </mc:Choice>
-    <mc:Fallback>
+    <mc:Fallback xmlns="">
       <p:transition spd="slow">
         <p:fade/>
       </p:transition>
@@ -4688,6 +4688,63 @@
           </a:p>
         </p:txBody>
       </p:sp>
+      <p:sp>
+        <p:nvSpPr>
+          <p:cNvPr id="4" name="テキスト ボックス 3">
+            <a:extLst>
+              <a:ext uri="{FF2B5EF4-FFF2-40B4-BE49-F238E27FC236}">
+                <a16:creationId xmlns:a16="http://schemas.microsoft.com/office/drawing/2014/main" id="{DBC41685-D8D3-49DF-A20F-068FBB952253}"/>
+              </a:ext>
+            </a:extLst>
+          </p:cNvPr>
+          <p:cNvSpPr txBox="1"/>
+          <p:nvPr/>
+        </p:nvSpPr>
+        <p:spPr>
+          <a:xfrm>
+            <a:off x="595939" y="4820959"/>
+            <a:ext cx="11000126" cy="1200329"/>
+          </a:xfrm>
+          <a:prstGeom prst="rect">
+            <a:avLst/>
+          </a:prstGeom>
+          <a:noFill/>
+        </p:spPr>
+        <p:txBody>
+          <a:bodyPr wrap="none" rtlCol="0">
+            <a:spAutoFit/>
+          </a:bodyPr>
+          <a:lstStyle/>
+          <a:p>
+            <a:pPr algn="ctr"/>
+            <a:r>
+              <a:rPr lang="ja-JP" altLang="en-US" sz="3600" dirty="0">
+                <a:latin typeface="+mj-ea"/>
+                <a:ea typeface="+mj-ea"/>
+              </a:rPr>
+              <a:t>本日の資料</a:t>
+            </a:r>
+            <a:br>
+              <a:rPr lang="en-US" altLang="ja-JP" sz="3600" dirty="0">
+                <a:latin typeface="+mj-ea"/>
+                <a:ea typeface="+mj-ea"/>
+              </a:rPr>
+            </a:br>
+            <a:r>
+              <a:rPr lang="en-US" altLang="ja-JP" sz="3600" dirty="0">
+                <a:latin typeface="+mj-ea"/>
+                <a:ea typeface="+mj-ea"/>
+                <a:hlinkClick r:id="rId2"/>
+              </a:rPr>
+              <a:t>http://github.com/tocchann/dotnetlab202009/</a:t>
+            </a:r>
+            <a:endParaRPr lang="en-US" altLang="ja-JP" sz="3600" dirty="0">
+              <a:latin typeface="+mj-ea"/>
+              <a:ea typeface="+mj-ea"/>
+            </a:endParaRPr>
+          </a:p>
+        </p:txBody>
+      </p:sp>
     </p:spTree>
     <p:extLst>
       <p:ext uri="{BB962C8B-B14F-4D97-AF65-F5344CB8AC3E}">
@@ -4698,6 +4755,18 @@
   <p:clrMapOvr>
     <a:masterClrMapping/>
   </p:clrMapOvr>
+  <mc:AlternateContent xmlns:mc="http://schemas.openxmlformats.org/markup-compatibility/2006">
+    <mc:Choice xmlns:p159="http://schemas.microsoft.com/office/powerpoint/2015/09/main" Requires="p159">
+      <p:transition xmlns:p14="http://schemas.microsoft.com/office/powerpoint/2010/main" spd="slow" p14:dur="2000">
+        <p159:morph option="byWord"/>
+      </p:transition>
+    </mc:Choice>
+    <mc:Fallback>
+      <p:transition spd="slow">
+        <p:fade/>
+      </p:transition>
+    </mc:Fallback>
+  </mc:AlternateContent>
 </p:sld>
 </file>
 
@@ -4896,6 +4965,18 @@
   <p:clrMapOvr>
     <a:masterClrMapping/>
   </p:clrMapOvr>
+  <mc:AlternateContent xmlns:mc="http://schemas.openxmlformats.org/markup-compatibility/2006">
+    <mc:Choice xmlns:p159="http://schemas.microsoft.com/office/powerpoint/2015/09/main" Requires="p159">
+      <p:transition xmlns:p14="http://schemas.microsoft.com/office/powerpoint/2010/main" spd="slow" p14:dur="2000">
+        <p159:morph option="byWord"/>
+      </p:transition>
+    </mc:Choice>
+    <mc:Fallback>
+      <p:transition spd="slow">
+        <p:fade/>
+      </p:transition>
+    </mc:Fallback>
+  </mc:AlternateContent>
 </p:sld>
 </file>
 
@@ -5208,13 +5289,13 @@
   <p:clrMapOvr>
     <a:masterClrMapping/>
   </p:clrMapOvr>
-  <mc:AlternateContent xmlns:mc="http://schemas.openxmlformats.org/markup-compatibility/2006">
-    <mc:Choice xmlns:p159="http://schemas.microsoft.com/office/powerpoint/2015/09/main" Requires="p159">
+  <mc:AlternateContent xmlns:mc="http://schemas.openxmlformats.org/markup-compatibility/2006" xmlns:p159="http://schemas.microsoft.com/office/powerpoint/2015/09/main">
+    <mc:Choice Requires="p159">
       <p:transition xmlns:p14="http://schemas.microsoft.com/office/powerpoint/2010/main" spd="slow" p14:dur="2000">
         <p159:morph option="byWord"/>
       </p:transition>
     </mc:Choice>
-    <mc:Fallback>
+    <mc:Fallback xmlns="">
       <p:transition spd="slow">
         <p:fade/>
       </p:transition>

--- a/Documents/セッション資料.pptx
+++ b/Documents/セッション資料.pptx
@@ -12,8 +12,8 @@
   </p:handoutMasterIdLst>
   <p:sldIdLst>
     <p:sldId id="256" r:id="rId2"/>
-    <p:sldId id="258" r:id="rId3"/>
-    <p:sldId id="257" r:id="rId4"/>
+    <p:sldId id="257" r:id="rId3"/>
+    <p:sldId id="275" r:id="rId4"/>
     <p:sldId id="259" r:id="rId5"/>
     <p:sldId id="261" r:id="rId6"/>
     <p:sldId id="260" r:id="rId7"/>
@@ -638,6 +638,481 @@
     </a:lvl9pPr>
   </p:notesStyle>
 </p:notesMaster>
+</file>
+
+<file path=ppt/notesSlides/notesSlide1.xml><?xml version="1.0" encoding="utf-8"?>
+<p:notes xmlns:a="http://schemas.openxmlformats.org/drawingml/2006/main" xmlns:r="http://schemas.openxmlformats.org/officeDocument/2006/relationships" xmlns:p="http://schemas.openxmlformats.org/presentationml/2006/main">
+  <p:cSld>
+    <p:spTree>
+      <p:nvGrpSpPr>
+        <p:cNvPr id="1" name=""/>
+        <p:cNvGrpSpPr/>
+        <p:nvPr/>
+      </p:nvGrpSpPr>
+      <p:grpSpPr>
+        <a:xfrm>
+          <a:off x="0" y="0"/>
+          <a:ext cx="0" cy="0"/>
+          <a:chOff x="0" y="0"/>
+          <a:chExt cx="0" cy="0"/>
+        </a:xfrm>
+      </p:grpSpPr>
+      <p:sp>
+        <p:nvSpPr>
+          <p:cNvPr id="2" name="スライド イメージ プレースホルダー 1"/>
+          <p:cNvSpPr>
+            <a:spLocks noGrp="1" noRot="1" noChangeAspect="1"/>
+          </p:cNvSpPr>
+          <p:nvPr>
+            <p:ph type="sldImg"/>
+          </p:nvPr>
+        </p:nvSpPr>
+        <p:spPr/>
+      </p:sp>
+      <p:sp>
+        <p:nvSpPr>
+          <p:cNvPr id="3" name="ノート プレースホルダー 2"/>
+          <p:cNvSpPr>
+            <a:spLocks noGrp="1"/>
+          </p:cNvSpPr>
+          <p:nvPr>
+            <p:ph type="body" idx="1"/>
+          </p:nvPr>
+        </p:nvSpPr>
+        <p:spPr/>
+        <p:txBody>
+          <a:bodyPr/>
+          <a:lstStyle/>
+          <a:p>
+            <a:r>
+              <a:rPr kumimoji="1" lang="en-US" altLang="ja-JP" sz="1200" kern="1200" dirty="0">
+                <a:solidFill>
+                  <a:srgbClr val="000000"/>
+                </a:solidFill>
+                <a:latin typeface="+mn-lt"/>
+                <a:ea typeface="+mn-ea"/>
+                <a:cs typeface="+mn-cs"/>
+              </a:rPr>
+              <a:t>Vista </a:t>
+            </a:r>
+            <a:r>
+              <a:rPr kumimoji="1" lang="ja-JP" altLang="en-US" sz="1200" kern="1200" dirty="0">
+                <a:solidFill>
+                  <a:srgbClr val="000000"/>
+                </a:solidFill>
+                <a:latin typeface="+mn-lt"/>
+                <a:ea typeface="+mn-ea"/>
+                <a:cs typeface="+mn-cs"/>
+              </a:rPr>
+              <a:t>からファイルダイアログが刷新されました。</a:t>
+            </a:r>
+            <a:endParaRPr kumimoji="1" lang="en-US" altLang="ja-JP" sz="1200" kern="1200" dirty="0">
+              <a:solidFill>
+                <a:srgbClr val="000000"/>
+              </a:solidFill>
+              <a:latin typeface="+mn-lt"/>
+              <a:ea typeface="+mn-ea"/>
+              <a:cs typeface="+mn-cs"/>
+            </a:endParaRPr>
+          </a:p>
+          <a:p>
+            <a:r>
+              <a:rPr kumimoji="1" lang="ja-JP" altLang="en-US" sz="1200" kern="1200" dirty="0">
+                <a:solidFill>
+                  <a:srgbClr val="000000"/>
+                </a:solidFill>
+                <a:latin typeface="+mn-lt"/>
+                <a:ea typeface="+mn-ea"/>
+                <a:cs typeface="+mn-cs"/>
+              </a:rPr>
+              <a:t>ファイル選択については </a:t>
+            </a:r>
+            <a:r>
+              <a:rPr kumimoji="1" lang="en-US" altLang="ja-JP" sz="1200" kern="1200" dirty="0">
+                <a:solidFill>
+                  <a:srgbClr val="000000"/>
+                </a:solidFill>
+                <a:latin typeface="+mn-lt"/>
+                <a:ea typeface="+mn-ea"/>
+                <a:cs typeface="+mn-cs"/>
+              </a:rPr>
+              <a:t>.NET </a:t>
+            </a:r>
+            <a:r>
+              <a:rPr kumimoji="1" lang="ja-JP" altLang="en-US" sz="1200" kern="1200" dirty="0">
+                <a:solidFill>
+                  <a:srgbClr val="000000"/>
+                </a:solidFill>
+                <a:latin typeface="+mn-lt"/>
+                <a:ea typeface="+mn-ea"/>
+                <a:cs typeface="+mn-cs"/>
+              </a:rPr>
+              <a:t>アプリでも新しいファイルダイアログを使うようになりましたが、フォルダ選択はなぜかいつまでたっても用意されません。</a:t>
+            </a:r>
+          </a:p>
+          <a:p>
+            <a:r>
+              <a:rPr kumimoji="1" lang="ja-JP" altLang="en-US" sz="1200" kern="1200" dirty="0">
+                <a:solidFill>
+                  <a:srgbClr val="000000"/>
+                </a:solidFill>
+                <a:latin typeface="+mn-lt"/>
+                <a:ea typeface="+mn-ea"/>
+                <a:cs typeface="+mn-cs"/>
+              </a:rPr>
+              <a:t>自分が必要としているので、もう何番煎じかわかりませんが、商利用でも耐えられる程度の耐性を持つ最小限実装を作ってみました。</a:t>
+            </a:r>
+          </a:p>
+          <a:p>
+            <a:r>
+              <a:rPr kumimoji="1" lang="ja-JP" altLang="en-US" sz="1200" kern="1200" dirty="0">
+                <a:solidFill>
+                  <a:srgbClr val="000000"/>
+                </a:solidFill>
+                <a:latin typeface="+mn-lt"/>
+                <a:ea typeface="+mn-ea"/>
+                <a:cs typeface="+mn-cs"/>
+              </a:rPr>
+              <a:t>最小限なので、</a:t>
+            </a:r>
+            <a:r>
+              <a:rPr kumimoji="1" lang="en-US" altLang="ja-JP" sz="1200" kern="1200" dirty="0">
+                <a:solidFill>
+                  <a:srgbClr val="000000"/>
+                </a:solidFill>
+                <a:latin typeface="+mn-lt"/>
+                <a:ea typeface="+mn-ea"/>
+                <a:cs typeface="+mn-cs"/>
+              </a:rPr>
+              <a:t>COM</a:t>
+            </a:r>
+            <a:r>
+              <a:rPr kumimoji="1" lang="ja-JP" altLang="en-US" sz="1200" kern="1200" dirty="0">
+                <a:solidFill>
+                  <a:srgbClr val="000000"/>
+                </a:solidFill>
+                <a:latin typeface="+mn-lt"/>
+                <a:ea typeface="+mn-ea"/>
+                <a:cs typeface="+mn-cs"/>
+              </a:rPr>
+              <a:t>の定義も使うところだけの最小限です。</a:t>
+            </a:r>
+            <a:endParaRPr kumimoji="1" lang="en-US" altLang="ja-JP" sz="1200" kern="1200" dirty="0">
+              <a:solidFill>
+                <a:srgbClr val="000000"/>
+              </a:solidFill>
+              <a:latin typeface="+mn-lt"/>
+              <a:ea typeface="+mn-ea"/>
+              <a:cs typeface="+mn-cs"/>
+            </a:endParaRPr>
+          </a:p>
+          <a:p>
+            <a:r>
+              <a:rPr kumimoji="1" lang="ja-JP" altLang="en-US" sz="1200" kern="1200" dirty="0">
+                <a:solidFill>
+                  <a:srgbClr val="000000"/>
+                </a:solidFill>
+                <a:latin typeface="+mn-lt"/>
+                <a:ea typeface="+mn-ea"/>
+                <a:cs typeface="+mn-cs"/>
+              </a:rPr>
+              <a:t>どこが省略出来て、どれが省略できないのか？</a:t>
+            </a:r>
+            <a:endParaRPr kumimoji="1" lang="en-US" altLang="ja-JP" sz="1200" kern="1200" dirty="0">
+              <a:solidFill>
+                <a:srgbClr val="000000"/>
+              </a:solidFill>
+              <a:latin typeface="+mn-lt"/>
+              <a:ea typeface="+mn-ea"/>
+              <a:cs typeface="+mn-cs"/>
+            </a:endParaRPr>
+          </a:p>
+          <a:p>
+            <a:r>
+              <a:rPr kumimoji="1" lang="ja-JP" altLang="en-US" sz="1200" kern="1200" dirty="0">
+                <a:solidFill>
+                  <a:srgbClr val="000000"/>
+                </a:solidFill>
+                <a:latin typeface="+mn-lt"/>
+                <a:ea typeface="+mn-ea"/>
+                <a:cs typeface="+mn-cs"/>
+              </a:rPr>
+              <a:t>なんてことを </a:t>
+            </a:r>
+            <a:r>
+              <a:rPr kumimoji="1" lang="en-US" altLang="ja-JP" sz="1200" kern="1200" dirty="0" err="1">
+                <a:solidFill>
+                  <a:srgbClr val="000000"/>
+                </a:solidFill>
+                <a:latin typeface="+mn-lt"/>
+                <a:ea typeface="+mn-ea"/>
+                <a:cs typeface="+mn-cs"/>
+              </a:rPr>
+              <a:t>IFileOpenDialog</a:t>
+            </a:r>
+            <a:r>
+              <a:rPr kumimoji="1" lang="en-US" altLang="ja-JP" sz="1200" kern="1200" dirty="0">
+                <a:solidFill>
+                  <a:srgbClr val="000000"/>
+                </a:solidFill>
+                <a:latin typeface="+mn-lt"/>
+                <a:ea typeface="+mn-ea"/>
+                <a:cs typeface="+mn-cs"/>
+              </a:rPr>
+              <a:t> </a:t>
+            </a:r>
+            <a:r>
+              <a:rPr kumimoji="1" lang="ja-JP" altLang="en-US" sz="1200" kern="1200" dirty="0">
+                <a:solidFill>
+                  <a:srgbClr val="000000"/>
+                </a:solidFill>
+                <a:latin typeface="+mn-lt"/>
+                <a:ea typeface="+mn-ea"/>
+                <a:cs typeface="+mn-cs"/>
+              </a:rPr>
+              <a:t>の </a:t>
+            </a:r>
+            <a:r>
+              <a:rPr kumimoji="1" lang="en-US" altLang="ja-JP" sz="1200" kern="1200" dirty="0">
+                <a:solidFill>
+                  <a:srgbClr val="000000"/>
+                </a:solidFill>
+                <a:latin typeface="+mn-lt"/>
+                <a:ea typeface="+mn-ea"/>
+                <a:cs typeface="+mn-cs"/>
+              </a:rPr>
+              <a:t>C#</a:t>
+            </a:r>
+            <a:r>
+              <a:rPr kumimoji="1" lang="ja-JP" altLang="en-US" sz="1200" kern="1200" dirty="0">
+                <a:solidFill>
+                  <a:srgbClr val="000000"/>
+                </a:solidFill>
+                <a:latin typeface="+mn-lt"/>
+                <a:ea typeface="+mn-ea"/>
+                <a:cs typeface="+mn-cs"/>
+              </a:rPr>
+              <a:t>版呼び出しコードを題材にお話ししてみたいと思います。</a:t>
+            </a:r>
+            <a:endParaRPr kumimoji="1" lang="ja-JP" altLang="en-US" sz="1200" kern="1200" dirty="0">
+              <a:solidFill>
+                <a:schemeClr val="tx1"/>
+              </a:solidFill>
+              <a:latin typeface="+mn-lt"/>
+              <a:ea typeface="+mn-ea"/>
+              <a:cs typeface="+mn-cs"/>
+            </a:endParaRPr>
+          </a:p>
+          <a:p>
+            <a:endParaRPr kumimoji="1" lang="ja-JP" altLang="en-US" dirty="0"/>
+          </a:p>
+        </p:txBody>
+      </p:sp>
+      <p:sp>
+        <p:nvSpPr>
+          <p:cNvPr id="4" name="スライド番号プレースホルダー 3"/>
+          <p:cNvSpPr>
+            <a:spLocks noGrp="1"/>
+          </p:cNvSpPr>
+          <p:nvPr>
+            <p:ph type="sldNum" sz="quarter" idx="5"/>
+          </p:nvPr>
+        </p:nvSpPr>
+        <p:spPr/>
+        <p:txBody>
+          <a:bodyPr/>
+          <a:lstStyle/>
+          <a:p>
+            <a:fld id="{0D7189C3-70FD-45C8-AA34-3D07BFDF182C}" type="slidenum">
+              <a:rPr kumimoji="1" lang="ja-JP" altLang="en-US" smtClean="0"/>
+              <a:pPr/>
+              <a:t>1</a:t>
+            </a:fld>
+            <a:endParaRPr kumimoji="1" lang="ja-JP" altLang="en-US"/>
+          </a:p>
+        </p:txBody>
+      </p:sp>
+    </p:spTree>
+    <p:extLst>
+      <p:ext uri="{BB962C8B-B14F-4D97-AF65-F5344CB8AC3E}">
+        <p14:creationId xmlns:p14="http://schemas.microsoft.com/office/powerpoint/2010/main" val="3793623826"/>
+      </p:ext>
+    </p:extLst>
+  </p:cSld>
+  <p:clrMapOvr>
+    <a:masterClrMapping/>
+  </p:clrMapOvr>
+</p:notes>
+</file>
+
+<file path=ppt/notesSlides/notesSlide2.xml><?xml version="1.0" encoding="utf-8"?>
+<p:notes xmlns:a="http://schemas.openxmlformats.org/drawingml/2006/main" xmlns:r="http://schemas.openxmlformats.org/officeDocument/2006/relationships" xmlns:p="http://schemas.openxmlformats.org/presentationml/2006/main">
+  <p:cSld>
+    <p:spTree>
+      <p:nvGrpSpPr>
+        <p:cNvPr id="1" name=""/>
+        <p:cNvGrpSpPr/>
+        <p:nvPr/>
+      </p:nvGrpSpPr>
+      <p:grpSpPr>
+        <a:xfrm>
+          <a:off x="0" y="0"/>
+          <a:ext cx="0" cy="0"/>
+          <a:chOff x="0" y="0"/>
+          <a:chExt cx="0" cy="0"/>
+        </a:xfrm>
+      </p:grpSpPr>
+      <p:sp>
+        <p:nvSpPr>
+          <p:cNvPr id="2" name="スライド イメージ プレースホルダー 1"/>
+          <p:cNvSpPr>
+            <a:spLocks noGrp="1" noRot="1" noChangeAspect="1"/>
+          </p:cNvSpPr>
+          <p:nvPr>
+            <p:ph type="sldImg"/>
+          </p:nvPr>
+        </p:nvSpPr>
+        <p:spPr/>
+      </p:sp>
+      <p:sp>
+        <p:nvSpPr>
+          <p:cNvPr id="3" name="ノート プレースホルダー 2"/>
+          <p:cNvSpPr>
+            <a:spLocks noGrp="1"/>
+          </p:cNvSpPr>
+          <p:nvPr>
+            <p:ph type="body" idx="1"/>
+          </p:nvPr>
+        </p:nvSpPr>
+        <p:spPr/>
+        <p:txBody>
+          <a:bodyPr/>
+          <a:lstStyle/>
+          <a:p>
+            <a:endParaRPr kumimoji="1" lang="ja-JP" altLang="en-US" dirty="0"/>
+          </a:p>
+        </p:txBody>
+      </p:sp>
+      <p:sp>
+        <p:nvSpPr>
+          <p:cNvPr id="4" name="スライド番号プレースホルダー 3"/>
+          <p:cNvSpPr>
+            <a:spLocks noGrp="1"/>
+          </p:cNvSpPr>
+          <p:nvPr>
+            <p:ph type="sldNum" sz="quarter" idx="5"/>
+          </p:nvPr>
+        </p:nvSpPr>
+        <p:spPr/>
+        <p:txBody>
+          <a:bodyPr/>
+          <a:lstStyle/>
+          <a:p>
+            <a:fld id="{0D7189C3-70FD-45C8-AA34-3D07BFDF182C}" type="slidenum">
+              <a:rPr kumimoji="1" lang="ja-JP" altLang="en-US" smtClean="0"/>
+              <a:pPr/>
+              <a:t>2</a:t>
+            </a:fld>
+            <a:endParaRPr kumimoji="1" lang="ja-JP" altLang="en-US"/>
+          </a:p>
+        </p:txBody>
+      </p:sp>
+    </p:spTree>
+    <p:extLst>
+      <p:ext uri="{BB962C8B-B14F-4D97-AF65-F5344CB8AC3E}">
+        <p14:creationId xmlns:p14="http://schemas.microsoft.com/office/powerpoint/2010/main" val="1283556187"/>
+      </p:ext>
+    </p:extLst>
+  </p:cSld>
+  <p:clrMapOvr>
+    <a:masterClrMapping/>
+  </p:clrMapOvr>
+</p:notes>
+</file>
+
+<file path=ppt/notesSlides/notesSlide3.xml><?xml version="1.0" encoding="utf-8"?>
+<p:notes xmlns:a="http://schemas.openxmlformats.org/drawingml/2006/main" xmlns:r="http://schemas.openxmlformats.org/officeDocument/2006/relationships" xmlns:p="http://schemas.openxmlformats.org/presentationml/2006/main">
+  <p:cSld>
+    <p:spTree>
+      <p:nvGrpSpPr>
+        <p:cNvPr id="1" name=""/>
+        <p:cNvGrpSpPr/>
+        <p:nvPr/>
+      </p:nvGrpSpPr>
+      <p:grpSpPr>
+        <a:xfrm>
+          <a:off x="0" y="0"/>
+          <a:ext cx="0" cy="0"/>
+          <a:chOff x="0" y="0"/>
+          <a:chExt cx="0" cy="0"/>
+        </a:xfrm>
+      </p:grpSpPr>
+      <p:sp>
+        <p:nvSpPr>
+          <p:cNvPr id="2" name="スライド イメージ プレースホルダー 1"/>
+          <p:cNvSpPr>
+            <a:spLocks noGrp="1" noRot="1" noChangeAspect="1"/>
+          </p:cNvSpPr>
+          <p:nvPr>
+            <p:ph type="sldImg"/>
+          </p:nvPr>
+        </p:nvSpPr>
+        <p:spPr/>
+      </p:sp>
+      <p:sp>
+        <p:nvSpPr>
+          <p:cNvPr id="3" name="ノート プレースホルダー 2"/>
+          <p:cNvSpPr>
+            <a:spLocks noGrp="1"/>
+          </p:cNvSpPr>
+          <p:nvPr>
+            <p:ph type="body" idx="1"/>
+          </p:nvPr>
+        </p:nvSpPr>
+        <p:spPr/>
+        <p:txBody>
+          <a:bodyPr/>
+          <a:lstStyle/>
+          <a:p>
+            <a:endParaRPr kumimoji="1" lang="ja-JP" altLang="en-US" dirty="0"/>
+          </a:p>
+        </p:txBody>
+      </p:sp>
+      <p:sp>
+        <p:nvSpPr>
+          <p:cNvPr id="4" name="スライド番号プレースホルダー 3"/>
+          <p:cNvSpPr>
+            <a:spLocks noGrp="1"/>
+          </p:cNvSpPr>
+          <p:nvPr>
+            <p:ph type="sldNum" sz="quarter" idx="5"/>
+          </p:nvPr>
+        </p:nvSpPr>
+        <p:spPr/>
+        <p:txBody>
+          <a:bodyPr/>
+          <a:lstStyle/>
+          <a:p>
+            <a:fld id="{0D7189C3-70FD-45C8-AA34-3D07BFDF182C}" type="slidenum">
+              <a:rPr kumimoji="1" lang="ja-JP" altLang="en-US" smtClean="0"/>
+              <a:pPr/>
+              <a:t>3</a:t>
+            </a:fld>
+            <a:endParaRPr kumimoji="1" lang="ja-JP" altLang="en-US"/>
+          </a:p>
+        </p:txBody>
+      </p:sp>
+    </p:spTree>
+    <p:extLst>
+      <p:ext uri="{BB962C8B-B14F-4D97-AF65-F5344CB8AC3E}">
+        <p14:creationId xmlns:p14="http://schemas.microsoft.com/office/powerpoint/2010/main" val="3363380680"/>
+      </p:ext>
+    </p:extLst>
+  </p:cSld>
+  <p:clrMapOvr>
+    <a:masterClrMapping/>
+  </p:clrMapOvr>
+</p:notes>
 </file>
 
 <file path=ppt/slideLayouts/slideLayout1.xml><?xml version="1.0" encoding="utf-8"?>
@@ -3449,21 +3924,22 @@
           <a:lstStyle/>
           <a:p>
             <a:r>
-              <a:rPr lang="ja-JP" altLang="en-US" dirty="0"/>
+              <a:rPr lang="ja-JP" altLang="en-US" sz="5400" dirty="0"/>
               <a:t>とっちゃん</a:t>
             </a:r>
             <a:r>
-              <a:rPr lang="en-US" altLang="ja-JP" dirty="0"/>
+              <a:rPr lang="en-US" altLang="ja-JP" sz="5400" dirty="0"/>
               <a:t>(</a:t>
             </a:r>
             <a:r>
-              <a:rPr lang="ja-JP" altLang="en-US" dirty="0"/>
+              <a:rPr lang="ja-JP" altLang="en-US" sz="5400" dirty="0"/>
               <a:t>高萩 俊行</a:t>
             </a:r>
             <a:r>
-              <a:rPr lang="en-US" altLang="ja-JP" dirty="0"/>
+              <a:rPr lang="en-US" altLang="ja-JP" sz="5400" dirty="0"/>
               <a:t>)</a:t>
             </a:r>
+            <a:endParaRPr lang="en-US" altLang="ja-JP" dirty="0"/>
           </a:p>
           <a:p>
             <a:r>
@@ -3472,21 +3948,6 @@
             </a:r>
           </a:p>
           <a:p>
-            <a:r>
-              <a:rPr lang="en-US" altLang="ja-JP" dirty="0">
-                <a:hlinkClick r:id="rId2"/>
-              </a:rPr>
-              <a:t>https://github.com/tocchann/</a:t>
-            </a:r>
-            <a:endParaRPr lang="en-US" altLang="ja-JP" dirty="0"/>
-          </a:p>
-          <a:p>
-            <a:r>
-              <a:rPr lang="en-US" altLang="ja-JP" dirty="0">
-                <a:hlinkClick r:id="rId3"/>
-              </a:rPr>
-              <a:t>http://blogs.wankuma.com/tocchann/default.aspx</a:t>
-            </a:r>
             <a:endParaRPr lang="en-US" altLang="ja-JP" dirty="0"/>
           </a:p>
         </p:txBody>
@@ -3537,7 +3998,7 @@
               <a:rPr lang="en-US" altLang="ja-JP" sz="3600" dirty="0">
                 <a:latin typeface="+mn-ea"/>
                 <a:ea typeface="+mn-ea"/>
-                <a:hlinkClick r:id="rId4"/>
+                <a:hlinkClick r:id="rId3"/>
               </a:rPr>
               <a:t>http://github.com/tocchann/dotnetlab202009/</a:t>
             </a:r>
@@ -3719,92 +4180,6 @@
                                   </p:childTnLst>
                                 </p:cTn>
                               </p:par>
-                              <p:par>
-                                <p:cTn id="14" presetID="10" presetClass="exit" presetSubtype="0" fill="hold" grpId="0" nodeType="withEffect">
-                                  <p:stCondLst>
-                                    <p:cond delay="0"/>
-                                  </p:stCondLst>
-                                  <p:childTnLst>
-                                    <p:animEffect transition="out" filter="fade">
-                                      <p:cBhvr>
-                                        <p:cTn id="15" dur="500"/>
-                                        <p:tgtEl>
-                                          <p:spTgt spid="3">
-                                            <p:txEl>
-                                              <p:pRg st="2" end="2"/>
-                                            </p:txEl>
-                                          </p:spTgt>
-                                        </p:tgtEl>
-                                      </p:cBhvr>
-                                    </p:animEffect>
-                                    <p:set>
-                                      <p:cBhvr>
-                                        <p:cTn id="16" dur="1" fill="hold">
-                                          <p:stCondLst>
-                                            <p:cond delay="499"/>
-                                          </p:stCondLst>
-                                        </p:cTn>
-                                        <p:tgtEl>
-                                          <p:spTgt spid="3">
-                                            <p:txEl>
-                                              <p:pRg st="2" end="2"/>
-                                            </p:txEl>
-                                          </p:spTgt>
-                                        </p:tgtEl>
-                                        <p:attrNameLst>
-                                          <p:attrName>style.visibility</p:attrName>
-                                        </p:attrNameLst>
-                                      </p:cBhvr>
-                                      <p:to>
-                                        <p:strVal val="hidden"/>
-                                      </p:to>
-                                    </p:set>
-                                  </p:childTnLst>
-                                </p:cTn>
-                              </p:par>
-                              <p:par>
-                                <p:cTn id="17" presetID="10" presetClass="exit" presetSubtype="0" fill="hold" grpId="0" nodeType="withEffect">
-                                  <p:stCondLst>
-                                    <p:cond delay="0"/>
-                                  </p:stCondLst>
-                                  <p:childTnLst>
-                                    <p:animEffect transition="out" filter="fade">
-                                      <p:cBhvr>
-                                        <p:cTn id="18" dur="500"/>
-                                        <p:tgtEl>
-                                          <p:spTgt spid="3">
-                                            <p:txEl>
-                                              <p:pRg st="3" end="3"/>
-                                            </p:txEl>
-                                          </p:spTgt>
-                                        </p:tgtEl>
-                                      </p:cBhvr>
-                                    </p:animEffect>
-                                    <p:set>
-                                      <p:cBhvr>
-                                        <p:cTn id="19" dur="1" fill="hold">
-                                          <p:stCondLst>
-                                            <p:cond delay="499"/>
-                                          </p:stCondLst>
-                                        </p:cTn>
-                                        <p:tgtEl>
-                                          <p:spTgt spid="3">
-                                            <p:txEl>
-                                              <p:pRg st="3" end="3"/>
-                                            </p:txEl>
-                                          </p:spTgt>
-                                        </p:tgtEl>
-                                        <p:attrNameLst>
-                                          <p:attrName>style.visibility</p:attrName>
-                                        </p:attrNameLst>
-                                      </p:cBhvr>
-                                      <p:to>
-                                        <p:strVal val="hidden"/>
-                                      </p:to>
-                                    </p:set>
-                                  </p:childTnLst>
-                                </p:cTn>
-                              </p:par>
                             </p:childTnLst>
                           </p:cTn>
                         </p:par>
@@ -4755,13 +5130,13 @@
   <p:clrMapOvr>
     <a:masterClrMapping/>
   </p:clrMapOvr>
-  <mc:AlternateContent xmlns:mc="http://schemas.openxmlformats.org/markup-compatibility/2006">
-    <mc:Choice xmlns:p159="http://schemas.microsoft.com/office/powerpoint/2015/09/main" Requires="p159">
+  <mc:AlternateContent xmlns:mc="http://schemas.openxmlformats.org/markup-compatibility/2006" xmlns:p159="http://schemas.microsoft.com/office/powerpoint/2015/09/main">
+    <mc:Choice Requires="p159">
       <p:transition xmlns:p14="http://schemas.microsoft.com/office/powerpoint/2010/main" spd="slow" p14:dur="2000">
         <p159:morph option="byWord"/>
       </p:transition>
     </mc:Choice>
-    <mc:Fallback>
+    <mc:Fallback xmlns="">
       <p:transition spd="slow">
         <p:fade/>
       </p:transition>
@@ -4965,13 +5340,13 @@
   <p:clrMapOvr>
     <a:masterClrMapping/>
   </p:clrMapOvr>
-  <mc:AlternateContent xmlns:mc="http://schemas.openxmlformats.org/markup-compatibility/2006">
-    <mc:Choice xmlns:p159="http://schemas.microsoft.com/office/powerpoint/2015/09/main" Requires="p159">
+  <mc:AlternateContent xmlns:mc="http://schemas.openxmlformats.org/markup-compatibility/2006" xmlns:p159="http://schemas.microsoft.com/office/powerpoint/2015/09/main">
+    <mc:Choice Requires="p159">
       <p:transition xmlns:p14="http://schemas.microsoft.com/office/powerpoint/2010/main" spd="slow" p14:dur="2000">
         <p159:morph option="byWord"/>
       </p:transition>
     </mc:Choice>
-    <mc:Fallback>
+    <mc:Fallback xmlns="">
       <p:transition spd="slow">
         <p:fade/>
       </p:transition>
@@ -4981,7 +5356,7 @@
 </file>
 
 <file path=ppt/slides/slide2.xml><?xml version="1.0" encoding="utf-8"?>
-<p:sld xmlns:a="http://schemas.openxmlformats.org/drawingml/2006/main" xmlns:r="http://schemas.openxmlformats.org/officeDocument/2006/relationships" xmlns:p="http://schemas.openxmlformats.org/presentationml/2006/main" show="0">
+<p:sld xmlns:a="http://schemas.openxmlformats.org/drawingml/2006/main" xmlns:r="http://schemas.openxmlformats.org/officeDocument/2006/relationships" xmlns:p="http://schemas.openxmlformats.org/presentationml/2006/main">
   <p:cSld>
     <p:spTree>
       <p:nvGrpSpPr>
@@ -4999,235 +5374,119 @@
       </p:grpSpPr>
       <p:sp>
         <p:nvSpPr>
-          <p:cNvPr id="2" name="正方形/長方形 1">
+          <p:cNvPr id="2" name="コンテンツ プレースホルダー 1">
             <a:extLst>
               <a:ext uri="{FF2B5EF4-FFF2-40B4-BE49-F238E27FC236}">
-                <a16:creationId xmlns:a16="http://schemas.microsoft.com/office/drawing/2014/main" id="{AD7DE32B-F739-421E-A2AD-028730A3F839}"/>
+                <a16:creationId xmlns:a16="http://schemas.microsoft.com/office/drawing/2014/main" id="{BAB9E532-8887-467B-94D3-B153029CD4CC}"/>
               </a:ext>
             </a:extLst>
           </p:cNvPr>
-          <p:cNvSpPr/>
-          <p:nvPr/>
+          <p:cNvSpPr>
+            <a:spLocks noGrp="1"/>
+          </p:cNvSpPr>
+          <p:nvPr>
+            <p:ph idx="1"/>
+          </p:nvPr>
         </p:nvSpPr>
-        <p:spPr>
-          <a:xfrm>
-            <a:off x="551384" y="332656"/>
-            <a:ext cx="11089232" cy="4401205"/>
-          </a:xfrm>
-          <a:prstGeom prst="rect">
-            <a:avLst/>
-          </a:prstGeom>
-        </p:spPr>
+        <p:spPr/>
         <p:txBody>
-          <a:bodyPr wrap="square">
-            <a:spAutoFit/>
-          </a:bodyPr>
+          <a:bodyPr/>
           <a:lstStyle/>
           <a:p>
             <a:r>
-              <a:rPr lang="en-US" altLang="ja-JP" sz="2800" dirty="0">
-                <a:solidFill>
-                  <a:srgbClr val="000000"/>
-                </a:solidFill>
-                <a:latin typeface="+mj-lt"/>
-                <a:ea typeface="+mj-ea"/>
-              </a:rPr>
-              <a:t>Vista </a:t>
-            </a:r>
-            <a:r>
-              <a:rPr lang="ja-JP" altLang="en-US" sz="2800" dirty="0">
-                <a:solidFill>
-                  <a:srgbClr val="000000"/>
-                </a:solidFill>
-                <a:latin typeface="+mj-lt"/>
-                <a:ea typeface="+mj-ea"/>
-              </a:rPr>
-              <a:t>からファイルダイアログが刷新されました。</a:t>
-            </a:r>
-            <a:endParaRPr lang="en-US" altLang="ja-JP" sz="2800" dirty="0">
-              <a:solidFill>
-                <a:srgbClr val="000000"/>
-              </a:solidFill>
-              <a:latin typeface="+mj-lt"/>
-              <a:ea typeface="+mj-ea"/>
-            </a:endParaRPr>
-          </a:p>
-          <a:p>
-            <a:r>
-              <a:rPr lang="ja-JP" altLang="en-US" sz="2800" dirty="0">
-                <a:solidFill>
-                  <a:srgbClr val="000000"/>
-                </a:solidFill>
-                <a:latin typeface="+mj-lt"/>
-                <a:ea typeface="+mj-ea"/>
-              </a:rPr>
-              <a:t>ファイル選択については </a:t>
-            </a:r>
-            <a:r>
-              <a:rPr lang="en-US" altLang="ja-JP" sz="2800" dirty="0">
-                <a:solidFill>
-                  <a:srgbClr val="000000"/>
-                </a:solidFill>
-                <a:latin typeface="+mj-lt"/>
-                <a:ea typeface="+mj-ea"/>
-              </a:rPr>
-              <a:t>.NET </a:t>
-            </a:r>
-            <a:r>
-              <a:rPr lang="ja-JP" altLang="en-US" sz="2800" dirty="0">
-                <a:solidFill>
-                  <a:srgbClr val="000000"/>
-                </a:solidFill>
-                <a:latin typeface="+mj-lt"/>
-                <a:ea typeface="+mj-ea"/>
-              </a:rPr>
-              <a:t>アプリでも新しいファイルダイアログを使うようになりましたが、フォルダ選択はなぜかいつまでたっても用意されません。</a:t>
-            </a:r>
-          </a:p>
-          <a:p>
-            <a:r>
-              <a:rPr lang="ja-JP" altLang="en-US" sz="2800" dirty="0">
-                <a:solidFill>
-                  <a:srgbClr val="000000"/>
-                </a:solidFill>
-                <a:latin typeface="+mj-lt"/>
-                <a:ea typeface="+mj-ea"/>
-              </a:rPr>
-              <a:t>自分が必要としているので、もう何番煎じかわかりませんが、商利用でも耐えられる程度の耐性を持つ最小限実装を作ってみました。</a:t>
-            </a:r>
-          </a:p>
-          <a:p>
-            <a:r>
-              <a:rPr lang="ja-JP" altLang="en-US" sz="2800" dirty="0">
-                <a:solidFill>
-                  <a:srgbClr val="000000"/>
-                </a:solidFill>
-                <a:latin typeface="+mj-lt"/>
-                <a:ea typeface="+mj-ea"/>
-              </a:rPr>
-              <a:t>最小限なので、</a:t>
-            </a:r>
-            <a:r>
-              <a:rPr lang="en-US" altLang="ja-JP" sz="2800" dirty="0">
-                <a:solidFill>
-                  <a:srgbClr val="000000"/>
-                </a:solidFill>
-                <a:latin typeface="+mj-lt"/>
-                <a:ea typeface="+mj-ea"/>
-              </a:rPr>
+              <a:rPr kumimoji="1" lang="ja-JP" altLang="en-US" dirty="0"/>
+              <a:t>とりあえずは自己紹介</a:t>
+            </a:r>
+            <a:endParaRPr kumimoji="1" lang="en-US" altLang="ja-JP" dirty="0"/>
+          </a:p>
+          <a:p>
+            <a:r>
+              <a:rPr kumimoji="1" lang="en-US" altLang="ja-JP" dirty="0" err="1"/>
+              <a:t>IFileOpenDialog</a:t>
+            </a:r>
+            <a:r>
+              <a:rPr kumimoji="1" lang="en-US" altLang="ja-JP" dirty="0"/>
+              <a:t> </a:t>
+            </a:r>
+            <a:r>
+              <a:rPr kumimoji="1" lang="ja-JP" altLang="en-US" dirty="0"/>
+              <a:t>版フォルダ選択ダイアログって？</a:t>
+            </a:r>
+            <a:endParaRPr kumimoji="1" lang="en-US" altLang="ja-JP" dirty="0"/>
+          </a:p>
+          <a:p>
+            <a:r>
+              <a:rPr kumimoji="1" lang="ja-JP" altLang="en-US" dirty="0"/>
+              <a:t>今時の</a:t>
+            </a:r>
+            <a:r>
+              <a:rPr kumimoji="1" lang="en-US" altLang="ja-JP" dirty="0"/>
               <a:t>COM</a:t>
             </a:r>
             <a:r>
-              <a:rPr lang="ja-JP" altLang="en-US" sz="2800" dirty="0">
-                <a:solidFill>
-                  <a:srgbClr val="000000"/>
-                </a:solidFill>
-                <a:latin typeface="+mj-lt"/>
-                <a:ea typeface="+mj-ea"/>
-              </a:rPr>
-              <a:t>の定義も使うところだけの最小限です。</a:t>
-            </a:r>
-            <a:endParaRPr lang="en-US" altLang="ja-JP" sz="2800" dirty="0">
-              <a:solidFill>
-                <a:srgbClr val="000000"/>
-              </a:solidFill>
-              <a:latin typeface="+mj-lt"/>
-              <a:ea typeface="+mj-ea"/>
-            </a:endParaRPr>
-          </a:p>
-          <a:p>
-            <a:r>
-              <a:rPr lang="ja-JP" altLang="en-US" sz="2800" dirty="0">
-                <a:solidFill>
-                  <a:srgbClr val="000000"/>
-                </a:solidFill>
-                <a:latin typeface="+mj-lt"/>
-                <a:ea typeface="+mj-ea"/>
-              </a:rPr>
-              <a:t>どこが省略出来て、どれが省略できないのか？</a:t>
-            </a:r>
-            <a:endParaRPr lang="en-US" altLang="ja-JP" sz="2800" dirty="0">
-              <a:solidFill>
-                <a:srgbClr val="000000"/>
-              </a:solidFill>
-              <a:latin typeface="+mj-lt"/>
-              <a:ea typeface="+mj-ea"/>
-            </a:endParaRPr>
-          </a:p>
-          <a:p>
-            <a:r>
-              <a:rPr lang="ja-JP" altLang="en-US" sz="2800" dirty="0">
-                <a:solidFill>
-                  <a:srgbClr val="000000"/>
-                </a:solidFill>
-                <a:latin typeface="+mj-lt"/>
-                <a:ea typeface="+mj-ea"/>
-              </a:rPr>
-              <a:t>なんてことを </a:t>
-            </a:r>
-            <a:r>
-              <a:rPr lang="en-US" altLang="ja-JP" sz="2800" dirty="0" err="1">
-                <a:solidFill>
-                  <a:srgbClr val="000000"/>
-                </a:solidFill>
-                <a:latin typeface="+mj-lt"/>
-                <a:ea typeface="+mj-ea"/>
-              </a:rPr>
-              <a:t>IFileOpenDialog</a:t>
-            </a:r>
-            <a:r>
-              <a:rPr lang="en-US" altLang="ja-JP" sz="2800" dirty="0">
-                <a:solidFill>
-                  <a:srgbClr val="000000"/>
-                </a:solidFill>
-                <a:latin typeface="+mj-lt"/>
-                <a:ea typeface="+mj-ea"/>
-              </a:rPr>
-              <a:t> </a:t>
-            </a:r>
-            <a:r>
-              <a:rPr lang="ja-JP" altLang="en-US" sz="2800" dirty="0">
-                <a:solidFill>
-                  <a:srgbClr val="000000"/>
-                </a:solidFill>
-                <a:latin typeface="+mj-lt"/>
-                <a:ea typeface="+mj-ea"/>
-              </a:rPr>
-              <a:t>の </a:t>
-            </a:r>
-            <a:r>
-              <a:rPr lang="en-US" altLang="ja-JP" sz="2800" dirty="0">
-                <a:solidFill>
-                  <a:srgbClr val="000000"/>
-                </a:solidFill>
-                <a:latin typeface="+mj-lt"/>
-                <a:ea typeface="+mj-ea"/>
-              </a:rPr>
-              <a:t>C#</a:t>
-            </a:r>
-            <a:r>
-              <a:rPr lang="ja-JP" altLang="en-US" sz="2800" dirty="0">
-                <a:solidFill>
-                  <a:srgbClr val="000000"/>
-                </a:solidFill>
-                <a:latin typeface="+mj-lt"/>
-                <a:ea typeface="+mj-ea"/>
-              </a:rPr>
-              <a:t>版呼び出しコードを題材にお話ししてみたいと思います。</a:t>
-            </a:r>
-            <a:endParaRPr lang="ja-JP" altLang="en-US" sz="2800" dirty="0">
-              <a:latin typeface="+mj-lt"/>
-              <a:ea typeface="+mj-ea"/>
-            </a:endParaRPr>
+              <a:rPr kumimoji="1" lang="ja-JP" altLang="en-US" dirty="0"/>
+              <a:t>って？</a:t>
+            </a:r>
+            <a:endParaRPr kumimoji="1" lang="en-US" altLang="ja-JP" dirty="0"/>
+          </a:p>
+          <a:p>
+            <a:r>
+              <a:rPr kumimoji="1" lang="ja-JP" altLang="en-US" dirty="0"/>
+              <a:t>必要最低限のインターフェース定義って？</a:t>
+            </a:r>
+            <a:endParaRPr kumimoji="1" lang="en-US" altLang="ja-JP" dirty="0"/>
+          </a:p>
+          <a:p>
+            <a:r>
+              <a:rPr kumimoji="1" lang="ja-JP" altLang="en-US" dirty="0"/>
+              <a:t>実際の定義を見てみましょう</a:t>
+            </a:r>
+            <a:endParaRPr kumimoji="1" lang="en-US" altLang="ja-JP" dirty="0"/>
+          </a:p>
+          <a:p>
+            <a:r>
+              <a:rPr kumimoji="1" lang="ja-JP" altLang="en-US" dirty="0"/>
+              <a:t>まとめ</a:t>
+            </a:r>
+            <a:endParaRPr kumimoji="1" lang="en-US" altLang="ja-JP" dirty="0"/>
           </a:p>
         </p:txBody>
       </p:sp>
       <p:sp>
         <p:nvSpPr>
-          <p:cNvPr id="3" name="テキスト ボックス 2">
+          <p:cNvPr id="3" name="タイトル 2">
             <a:extLst>
               <a:ext uri="{FF2B5EF4-FFF2-40B4-BE49-F238E27FC236}">
-                <a16:creationId xmlns:a16="http://schemas.microsoft.com/office/drawing/2014/main" id="{B6E86857-3D4C-4676-B06D-096C0F309CCC}"/>
+                <a16:creationId xmlns:a16="http://schemas.microsoft.com/office/drawing/2014/main" id="{14408690-F82E-4436-B519-4E57E7605B46}"/>
+              </a:ext>
+            </a:extLst>
+          </p:cNvPr>
+          <p:cNvSpPr>
+            <a:spLocks noGrp="1"/>
+          </p:cNvSpPr>
+          <p:nvPr>
+            <p:ph type="title"/>
+          </p:nvPr>
+        </p:nvSpPr>
+        <p:spPr/>
+        <p:txBody>
+          <a:bodyPr/>
+          <a:lstStyle/>
+          <a:p>
+            <a:r>
+              <a:rPr lang="ja-JP" altLang="en-US" dirty="0"/>
+              <a:t>お題目</a:t>
+            </a:r>
+            <a:endParaRPr kumimoji="1" lang="ja-JP" altLang="en-US" dirty="0"/>
+          </a:p>
+        </p:txBody>
+      </p:sp>
+      <p:sp>
+        <p:nvSpPr>
+          <p:cNvPr id="4" name="テキスト ボックス 3">
+            <a:extLst>
+              <a:ext uri="{FF2B5EF4-FFF2-40B4-BE49-F238E27FC236}">
+                <a16:creationId xmlns:a16="http://schemas.microsoft.com/office/drawing/2014/main" id="{5220D7F2-47DA-4478-A48C-538135B8DEAB}"/>
               </a:ext>
             </a:extLst>
           </p:cNvPr>
@@ -5236,7 +5495,7 @@
         </p:nvSpPr>
         <p:spPr>
           <a:xfrm>
-            <a:off x="595939" y="4820959"/>
+            <a:off x="595939" y="4748951"/>
             <a:ext cx="11000126" cy="1200329"/>
           </a:xfrm>
           <a:prstGeom prst="rect">
@@ -5253,28 +5512,28 @@
             <a:pPr algn="ctr"/>
             <a:r>
               <a:rPr lang="ja-JP" altLang="en-US" sz="3600" dirty="0">
-                <a:latin typeface="+mj-ea"/>
-                <a:ea typeface="+mj-ea"/>
+                <a:latin typeface="+mn-ea"/>
+                <a:ea typeface="+mn-ea"/>
               </a:rPr>
               <a:t>本日の資料</a:t>
             </a:r>
             <a:br>
               <a:rPr lang="en-US" altLang="ja-JP" sz="3600" dirty="0">
-                <a:latin typeface="+mj-ea"/>
-                <a:ea typeface="+mj-ea"/>
+                <a:latin typeface="+mn-ea"/>
+                <a:ea typeface="+mn-ea"/>
               </a:rPr>
             </a:br>
             <a:r>
               <a:rPr lang="en-US" altLang="ja-JP" sz="3600" dirty="0">
-                <a:latin typeface="+mj-ea"/>
-                <a:ea typeface="+mj-ea"/>
-                <a:hlinkClick r:id="rId2"/>
+                <a:latin typeface="+mn-ea"/>
+                <a:ea typeface="+mn-ea"/>
+                <a:hlinkClick r:id="rId3"/>
               </a:rPr>
               <a:t>http://github.com/tocchann/dotnetlab202009/</a:t>
             </a:r>
             <a:endParaRPr lang="en-US" altLang="ja-JP" sz="3600" dirty="0">
-              <a:latin typeface="+mj-ea"/>
-              <a:ea typeface="+mj-ea"/>
+              <a:latin typeface="+mn-ea"/>
+              <a:ea typeface="+mn-ea"/>
             </a:endParaRPr>
           </a:p>
         </p:txBody>
@@ -5282,7 +5541,7 @@
     </p:spTree>
     <p:extLst>
       <p:ext uri="{BB962C8B-B14F-4D97-AF65-F5344CB8AC3E}">
-        <p14:creationId xmlns:p14="http://schemas.microsoft.com/office/powerpoint/2010/main" val="3873068005"/>
+        <p14:creationId xmlns:p14="http://schemas.microsoft.com/office/powerpoint/2010/main" val="3362067670"/>
       </p:ext>
     </p:extLst>
   </p:cSld>
@@ -5323,83 +5582,10 @@
       </p:grpSpPr>
       <p:sp>
         <p:nvSpPr>
-          <p:cNvPr id="2" name="コンテンツ プレースホルダー 1">
+          <p:cNvPr id="2" name="タイトル 1">
             <a:extLst>
               <a:ext uri="{FF2B5EF4-FFF2-40B4-BE49-F238E27FC236}">
-                <a16:creationId xmlns:a16="http://schemas.microsoft.com/office/drawing/2014/main" id="{BAB9E532-8887-467B-94D3-B153029CD4CC}"/>
-              </a:ext>
-            </a:extLst>
-          </p:cNvPr>
-          <p:cNvSpPr>
-            <a:spLocks noGrp="1"/>
-          </p:cNvSpPr>
-          <p:nvPr>
-            <p:ph idx="1"/>
-          </p:nvPr>
-        </p:nvSpPr>
-        <p:spPr/>
-        <p:txBody>
-          <a:bodyPr/>
-          <a:lstStyle/>
-          <a:p>
-            <a:r>
-              <a:rPr kumimoji="1" lang="en-US" altLang="ja-JP" dirty="0" err="1"/>
-              <a:t>IFileOpenDialog</a:t>
-            </a:r>
-            <a:r>
-              <a:rPr kumimoji="1" lang="en-US" altLang="ja-JP" dirty="0"/>
-              <a:t> </a:t>
-            </a:r>
-            <a:r>
-              <a:rPr kumimoji="1" lang="ja-JP" altLang="en-US" dirty="0"/>
-              <a:t>版フォルダ選択ダイアログって？</a:t>
-            </a:r>
-            <a:endParaRPr kumimoji="1" lang="en-US" altLang="ja-JP" dirty="0"/>
-          </a:p>
-          <a:p>
-            <a:r>
-              <a:rPr kumimoji="1" lang="ja-JP" altLang="en-US" dirty="0"/>
-              <a:t>今時の</a:t>
-            </a:r>
-            <a:r>
-              <a:rPr kumimoji="1" lang="en-US" altLang="ja-JP" dirty="0"/>
-              <a:t>COM</a:t>
-            </a:r>
-            <a:r>
-              <a:rPr kumimoji="1" lang="ja-JP" altLang="en-US" dirty="0"/>
-              <a:t>って？</a:t>
-            </a:r>
-            <a:endParaRPr kumimoji="1" lang="en-US" altLang="ja-JP" dirty="0"/>
-          </a:p>
-          <a:p>
-            <a:r>
-              <a:rPr kumimoji="1" lang="ja-JP" altLang="en-US" dirty="0"/>
-              <a:t>必要最低限のインターフェース定義って？</a:t>
-            </a:r>
-            <a:endParaRPr kumimoji="1" lang="en-US" altLang="ja-JP" dirty="0"/>
-          </a:p>
-          <a:p>
-            <a:r>
-              <a:rPr kumimoji="1" lang="ja-JP" altLang="en-US" dirty="0"/>
-              <a:t>実際の定義を見てみましょう</a:t>
-            </a:r>
-            <a:endParaRPr kumimoji="1" lang="en-US" altLang="ja-JP" dirty="0"/>
-          </a:p>
-          <a:p>
-            <a:r>
-              <a:rPr kumimoji="1" lang="ja-JP" altLang="en-US" dirty="0"/>
-              <a:t>まとめ</a:t>
-            </a:r>
-            <a:endParaRPr kumimoji="1" lang="en-US" altLang="ja-JP" dirty="0"/>
-          </a:p>
-        </p:txBody>
-      </p:sp>
-      <p:sp>
-        <p:nvSpPr>
-          <p:cNvPr id="3" name="タイトル 2">
-            <a:extLst>
-              <a:ext uri="{FF2B5EF4-FFF2-40B4-BE49-F238E27FC236}">
-                <a16:creationId xmlns:a16="http://schemas.microsoft.com/office/drawing/2014/main" id="{14408690-F82E-4436-B519-4E57E7605B46}"/>
+                <a16:creationId xmlns:a16="http://schemas.microsoft.com/office/drawing/2014/main" id="{761E0D34-0218-4F93-BFF4-039501981EB9}"/>
               </a:ext>
             </a:extLst>
           </p:cNvPr>
@@ -5417,9 +5603,225 @@
           <a:p>
             <a:r>
               <a:rPr lang="ja-JP" altLang="en-US" dirty="0"/>
-              <a:t>目次的なもの</a:t>
-            </a:r>
-            <a:endParaRPr kumimoji="1" lang="ja-JP" altLang="en-US" dirty="0"/>
+              <a:t>とりあえずは自己紹介</a:t>
+            </a:r>
+          </a:p>
+        </p:txBody>
+      </p:sp>
+      <p:sp>
+        <p:nvSpPr>
+          <p:cNvPr id="3" name="コンテンツ プレースホルダー 2">
+            <a:extLst>
+              <a:ext uri="{FF2B5EF4-FFF2-40B4-BE49-F238E27FC236}">
+                <a16:creationId xmlns:a16="http://schemas.microsoft.com/office/drawing/2014/main" id="{8D2E6270-D7F6-412E-A67D-0A8B02E86323}"/>
+              </a:ext>
+            </a:extLst>
+          </p:cNvPr>
+          <p:cNvSpPr>
+            <a:spLocks noGrp="1"/>
+          </p:cNvSpPr>
+          <p:nvPr>
+            <p:ph sz="half" idx="1"/>
+          </p:nvPr>
+        </p:nvSpPr>
+        <p:spPr/>
+        <p:txBody>
+          <a:bodyPr/>
+          <a:lstStyle/>
+          <a:p>
+            <a:r>
+              <a:rPr lang="ja-JP" altLang="en-US" dirty="0"/>
+              <a:t>とっちゃん</a:t>
+            </a:r>
+            <a:endParaRPr lang="en-US" altLang="ja-JP" dirty="0"/>
+          </a:p>
+          <a:p>
+            <a:pPr lvl="1"/>
+            <a:r>
+              <a:rPr lang="ja-JP" altLang="en-US" dirty="0"/>
+              <a:t>高萩 俊行</a:t>
+            </a:r>
+            <a:endParaRPr lang="en-US" altLang="ja-JP" dirty="0"/>
+          </a:p>
+          <a:p>
+            <a:r>
+              <a:rPr lang="ja-JP" altLang="en-US" dirty="0"/>
+              <a:t>コミュニティ</a:t>
+            </a:r>
+            <a:endParaRPr lang="en-US" altLang="ja-JP" dirty="0"/>
+          </a:p>
+          <a:p>
+            <a:pPr lvl="1"/>
+            <a:r>
+              <a:rPr lang="ja-JP" altLang="en-US" dirty="0"/>
+              <a:t>わんくま同盟</a:t>
+            </a:r>
+            <a:endParaRPr lang="en-US" altLang="ja-JP" dirty="0"/>
+          </a:p>
+          <a:p>
+            <a:pPr lvl="2"/>
+            <a:r>
+              <a:rPr lang="en-US" altLang="ja-JP" sz="1200" dirty="0">
+                <a:hlinkClick r:id="rId3"/>
+              </a:rPr>
+              <a:t>http://blogs.wankuma.com/tocchann/default.aspx</a:t>
+            </a:r>
+            <a:endParaRPr lang="en-US" altLang="ja-JP" sz="1800" dirty="0"/>
+          </a:p>
+          <a:p>
+            <a:pPr lvl="1"/>
+            <a:r>
+              <a:rPr lang="en-US" altLang="ja-JP" sz="1600" dirty="0"/>
+              <a:t>Facebook</a:t>
+            </a:r>
+            <a:br>
+              <a:rPr lang="en-US" altLang="ja-JP" sz="1600" dirty="0"/>
+            </a:br>
+            <a:r>
+              <a:rPr lang="en-US" altLang="ja-JP" sz="1200" dirty="0">
+                <a:hlinkClick r:id="rId4"/>
+              </a:rPr>
+              <a:t>https://www.facebook.com/toshiyuki.takahagi/</a:t>
+            </a:r>
+            <a:endParaRPr lang="en-US" altLang="ja-JP" sz="1200" dirty="0"/>
+          </a:p>
+          <a:p>
+            <a:pPr lvl="1"/>
+            <a:r>
+              <a:rPr lang="en-US" altLang="ja-JP" sz="1600" dirty="0"/>
+              <a:t>Twitter</a:t>
+            </a:r>
+            <a:br>
+              <a:rPr lang="en-US" altLang="ja-JP" sz="1600" dirty="0"/>
+            </a:br>
+            <a:r>
+              <a:rPr lang="en-US" altLang="ja-JP" sz="1200" dirty="0">
+                <a:hlinkClick r:id="rId5"/>
+              </a:rPr>
+              <a:t>https://twitter.com/Tocchann</a:t>
+            </a:r>
+            <a:endParaRPr lang="en-US" altLang="ja-JP" dirty="0"/>
+          </a:p>
+          <a:p>
+            <a:pPr lvl="1"/>
+            <a:r>
+              <a:rPr lang="en-US" altLang="ja-JP" sz="1600" dirty="0" err="1"/>
+              <a:t>Github</a:t>
+            </a:r>
+            <a:br>
+              <a:rPr lang="en-US" altLang="ja-JP" sz="1600" dirty="0"/>
+            </a:br>
+            <a:r>
+              <a:rPr lang="en-US" altLang="ja-JP" sz="1200" dirty="0">
+                <a:hlinkClick r:id="rId6"/>
+              </a:rPr>
+              <a:t>https://github.com/tocchann/</a:t>
+            </a:r>
+            <a:endParaRPr lang="en-US" altLang="ja-JP" dirty="0"/>
+          </a:p>
+          <a:p>
+            <a:pPr lvl="3"/>
+            <a:endParaRPr lang="en-US" altLang="ja-JP" dirty="0"/>
+          </a:p>
+        </p:txBody>
+      </p:sp>
+      <p:sp>
+        <p:nvSpPr>
+          <p:cNvPr id="5" name="コンテンツ プレースホルダー 4">
+            <a:extLst>
+              <a:ext uri="{FF2B5EF4-FFF2-40B4-BE49-F238E27FC236}">
+                <a16:creationId xmlns:a16="http://schemas.microsoft.com/office/drawing/2014/main" id="{2EFB3259-88B9-42F1-A464-161FCD2E4D79}"/>
+              </a:ext>
+            </a:extLst>
+          </p:cNvPr>
+          <p:cNvSpPr>
+            <a:spLocks noGrp="1"/>
+          </p:cNvSpPr>
+          <p:nvPr>
+            <p:ph sz="half" idx="2"/>
+          </p:nvPr>
+        </p:nvSpPr>
+        <p:spPr/>
+        <p:txBody>
+          <a:bodyPr/>
+          <a:lstStyle/>
+          <a:p>
+            <a:r>
+              <a:rPr lang="en-US" altLang="ja-JP" dirty="0"/>
+              <a:t>Microsoft MVP</a:t>
+            </a:r>
+          </a:p>
+          <a:p>
+            <a:pPr lvl="1"/>
+            <a:r>
+              <a:rPr lang="en-US" altLang="ja-JP" dirty="0"/>
+              <a:t>Developer Technologies</a:t>
+            </a:r>
+          </a:p>
+          <a:p>
+            <a:pPr lvl="2"/>
+            <a:r>
+              <a:rPr lang="en-US" altLang="ja-JP" sz="1200" dirty="0">
+                <a:hlinkClick r:id="rId7"/>
+              </a:rPr>
+              <a:t>https://mvp.microsoft.com/ja-jp/PublicProfile/32182?WT.mc_id=DT-MVP-32182</a:t>
+            </a:r>
+            <a:endParaRPr lang="en-US" altLang="ja-JP" sz="1200" dirty="0"/>
+          </a:p>
+          <a:p>
+            <a:pPr lvl="1"/>
+            <a:r>
+              <a:rPr lang="en-US" altLang="ja-JP" dirty="0"/>
+              <a:t>Since 2005/10</a:t>
+            </a:r>
+            <a:r>
+              <a:rPr lang="ja-JP" altLang="en-US" dirty="0"/>
+              <a:t>～</a:t>
+            </a:r>
+            <a:endParaRPr lang="en-US" altLang="ja-JP" dirty="0"/>
+          </a:p>
+          <a:p>
+            <a:pPr lvl="2"/>
+            <a:r>
+              <a:rPr lang="en-US" altLang="ja-JP" dirty="0"/>
+              <a:t>(Windows Installer)</a:t>
+            </a:r>
+          </a:p>
+          <a:p>
+            <a:pPr lvl="2"/>
+            <a:r>
+              <a:rPr lang="en-US" altLang="ja-JP" dirty="0"/>
+              <a:t>Windows SDK</a:t>
+            </a:r>
+          </a:p>
+          <a:p>
+            <a:pPr lvl="2"/>
+            <a:r>
+              <a:rPr lang="en-US" altLang="ja-JP" dirty="0"/>
+              <a:t>Developer Tools – Visual C++</a:t>
+            </a:r>
+          </a:p>
+          <a:p>
+            <a:pPr lvl="2"/>
+            <a:r>
+              <a:rPr lang="en-US" altLang="ja-JP" dirty="0"/>
+              <a:t>Visual Studio and</a:t>
+            </a:r>
+            <a:br>
+              <a:rPr lang="en-US" altLang="ja-JP" dirty="0"/>
+            </a:br>
+            <a:r>
+              <a:rPr lang="en-US" altLang="ja-JP" dirty="0"/>
+              <a:t>Development Technologies</a:t>
+            </a:r>
+          </a:p>
+          <a:p>
+            <a:pPr lvl="2"/>
+            <a:r>
+              <a:rPr lang="en-US" altLang="ja-JP" dirty="0"/>
+              <a:t>Developer Technologies</a:t>
+            </a:r>
+            <a:endParaRPr lang="ja-JP" altLang="en-US" dirty="0"/>
           </a:p>
         </p:txBody>
       </p:sp>
@@ -5428,7 +5830,7 @@
           <p:cNvPr id="4" name="テキスト ボックス 3">
             <a:extLst>
               <a:ext uri="{FF2B5EF4-FFF2-40B4-BE49-F238E27FC236}">
-                <a16:creationId xmlns:a16="http://schemas.microsoft.com/office/drawing/2014/main" id="{5220D7F2-47DA-4478-A48C-538135B8DEAB}"/>
+                <a16:creationId xmlns:a16="http://schemas.microsoft.com/office/drawing/2014/main" id="{D29C4459-BE9D-4FA0-914B-600D1CECDE33}"/>
               </a:ext>
             </a:extLst>
           </p:cNvPr>
@@ -5469,7 +5871,7 @@
               <a:rPr lang="en-US" altLang="ja-JP" sz="3600" dirty="0">
                 <a:latin typeface="+mn-ea"/>
                 <a:ea typeface="+mn-ea"/>
-                <a:hlinkClick r:id="rId2"/>
+                <a:hlinkClick r:id="rId8"/>
               </a:rPr>
               <a:t>http://github.com/tocchann/dotnetlab202009/</a:t>
             </a:r>
@@ -5483,20 +5885,20 @@
     </p:spTree>
     <p:extLst>
       <p:ext uri="{BB962C8B-B14F-4D97-AF65-F5344CB8AC3E}">
-        <p14:creationId xmlns:p14="http://schemas.microsoft.com/office/powerpoint/2010/main" val="3362067670"/>
+        <p14:creationId xmlns:p14="http://schemas.microsoft.com/office/powerpoint/2010/main" val="882683332"/>
       </p:ext>
     </p:extLst>
   </p:cSld>
   <p:clrMapOvr>
     <a:masterClrMapping/>
   </p:clrMapOvr>
-  <mc:AlternateContent xmlns:mc="http://schemas.openxmlformats.org/markup-compatibility/2006" xmlns:p159="http://schemas.microsoft.com/office/powerpoint/2015/09/main">
-    <mc:Choice Requires="p159">
+  <mc:AlternateContent xmlns:mc="http://schemas.openxmlformats.org/markup-compatibility/2006">
+    <mc:Choice xmlns:p159="http://schemas.microsoft.com/office/powerpoint/2015/09/main" Requires="p159">
       <p:transition xmlns:p14="http://schemas.microsoft.com/office/powerpoint/2010/main" spd="slow" p14:dur="2000">
         <p159:morph option="byWord"/>
       </p:transition>
     </mc:Choice>
-    <mc:Fallback xmlns="">
+    <mc:Fallback>
       <p:transition spd="slow">
         <p:fade/>
       </p:transition>

--- a/Documents/セッション資料.pptx
+++ b/Documents/セッション資料.pptx
@@ -1106,6 +1106,91 @@
     <p:extLst>
       <p:ext uri="{BB962C8B-B14F-4D97-AF65-F5344CB8AC3E}">
         <p14:creationId xmlns:p14="http://schemas.microsoft.com/office/powerpoint/2010/main" val="3363380680"/>
+      </p:ext>
+    </p:extLst>
+  </p:cSld>
+  <p:clrMapOvr>
+    <a:masterClrMapping/>
+  </p:clrMapOvr>
+</p:notes>
+</file>
+
+<file path=ppt/notesSlides/notesSlide4.xml><?xml version="1.0" encoding="utf-8"?>
+<p:notes xmlns:a="http://schemas.openxmlformats.org/drawingml/2006/main" xmlns:r="http://schemas.openxmlformats.org/officeDocument/2006/relationships" xmlns:p="http://schemas.openxmlformats.org/presentationml/2006/main">
+  <p:cSld>
+    <p:spTree>
+      <p:nvGrpSpPr>
+        <p:cNvPr id="1" name=""/>
+        <p:cNvGrpSpPr/>
+        <p:nvPr/>
+      </p:nvGrpSpPr>
+      <p:grpSpPr>
+        <a:xfrm>
+          <a:off x="0" y="0"/>
+          <a:ext cx="0" cy="0"/>
+          <a:chOff x="0" y="0"/>
+          <a:chExt cx="0" cy="0"/>
+        </a:xfrm>
+      </p:grpSpPr>
+      <p:sp>
+        <p:nvSpPr>
+          <p:cNvPr id="2" name="スライド イメージ プレースホルダー 1"/>
+          <p:cNvSpPr>
+            <a:spLocks noGrp="1" noRot="1" noChangeAspect="1"/>
+          </p:cNvSpPr>
+          <p:nvPr>
+            <p:ph type="sldImg"/>
+          </p:nvPr>
+        </p:nvSpPr>
+        <p:spPr/>
+      </p:sp>
+      <p:sp>
+        <p:nvSpPr>
+          <p:cNvPr id="3" name="ノート プレースホルダー 2"/>
+          <p:cNvSpPr>
+            <a:spLocks noGrp="1"/>
+          </p:cNvSpPr>
+          <p:nvPr>
+            <p:ph type="body" idx="1"/>
+          </p:nvPr>
+        </p:nvSpPr>
+        <p:spPr/>
+        <p:txBody>
+          <a:bodyPr/>
+          <a:lstStyle/>
+          <a:p>
+            <a:endParaRPr kumimoji="1" lang="ja-JP" altLang="en-US" dirty="0"/>
+          </a:p>
+        </p:txBody>
+      </p:sp>
+      <p:sp>
+        <p:nvSpPr>
+          <p:cNvPr id="4" name="スライド番号プレースホルダー 3"/>
+          <p:cNvSpPr>
+            <a:spLocks noGrp="1"/>
+          </p:cNvSpPr>
+          <p:nvPr>
+            <p:ph type="sldNum" sz="quarter" idx="5"/>
+          </p:nvPr>
+        </p:nvSpPr>
+        <p:spPr/>
+        <p:txBody>
+          <a:bodyPr/>
+          <a:lstStyle/>
+          <a:p>
+            <a:fld id="{0D7189C3-70FD-45C8-AA34-3D07BFDF182C}" type="slidenum">
+              <a:rPr kumimoji="1" lang="ja-JP" altLang="en-US" smtClean="0"/>
+              <a:pPr/>
+              <a:t>15</a:t>
+            </a:fld>
+            <a:endParaRPr kumimoji="1" lang="ja-JP" altLang="en-US"/>
+          </a:p>
+        </p:txBody>
+      </p:sp>
+    </p:spTree>
+    <p:extLst>
+      <p:ext uri="{BB962C8B-B14F-4D97-AF65-F5344CB8AC3E}">
+        <p14:creationId xmlns:p14="http://schemas.microsoft.com/office/powerpoint/2010/main" val="4212547331"/>
       </p:ext>
     </p:extLst>
   </p:cSld>
@@ -5262,7 +5347,15 @@
             </a:r>
             <a:r>
               <a:rPr lang="ja-JP" altLang="en-US" dirty="0"/>
-              <a:t>のメソッドは構造体の変数と同等</a:t>
+              <a:t>は</a:t>
+            </a:r>
+            <a:r>
+              <a:rPr lang="en-US" altLang="ja-JP" dirty="0"/>
+              <a:t>C</a:t>
+            </a:r>
+            <a:r>
+              <a:rPr lang="ja-JP" altLang="en-US" dirty="0"/>
+              <a:t>の構造体と同等</a:t>
             </a:r>
             <a:endParaRPr lang="en-US" altLang="ja-JP" dirty="0"/>
           </a:p>
@@ -5276,7 +5369,7 @@
           <a:p>
             <a:r>
               <a:rPr lang="ja-JP" altLang="en-US" dirty="0"/>
-              <a:t>実行時規約なので名前</a:t>
+              <a:t>実行時規約は名前</a:t>
             </a:r>
             <a:r>
               <a:rPr lang="en-US" altLang="ja-JP" dirty="0"/>
@@ -5892,13 +5985,13 @@
   <p:clrMapOvr>
     <a:masterClrMapping/>
   </p:clrMapOvr>
-  <mc:AlternateContent xmlns:mc="http://schemas.openxmlformats.org/markup-compatibility/2006">
-    <mc:Choice xmlns:p159="http://schemas.microsoft.com/office/powerpoint/2015/09/main" Requires="p159">
+  <mc:AlternateContent xmlns:mc="http://schemas.openxmlformats.org/markup-compatibility/2006" xmlns:p159="http://schemas.microsoft.com/office/powerpoint/2015/09/main">
+    <mc:Choice Requires="p159">
       <p:transition xmlns:p14="http://schemas.microsoft.com/office/powerpoint/2010/main" spd="slow" p14:dur="2000">
         <p159:morph option="byWord"/>
       </p:transition>
     </mc:Choice>
-    <mc:Fallback>
+    <mc:Fallback xmlns="">
       <p:transition spd="slow">
         <p:fade/>
       </p:transition>
